--- a/static/STQA/Chapter1.pptx
+++ b/static/STQA/Chapter1.pptx
@@ -4,6 +4,9 @@
   <p:sldMasterIdLst>
     <p:sldMasterId id="2147483648" r:id="rId1"/>
   </p:sldMasterIdLst>
+  <p:handoutMasterIdLst>
+    <p:handoutMasterId r:id="rId23"/>
+  </p:handoutMasterIdLst>
   <p:sldIdLst>
     <p:sldId id="256" r:id="rId2"/>
     <p:sldId id="257" r:id="rId3"/>
@@ -28,7 +31,7 @@
     <p:sldId id="276" r:id="rId22"/>
   </p:sldIdLst>
   <p:sldSz cx="9144000" cy="6858000" type="screen4x3"/>
-  <p:notesSz cx="6858000" cy="9144000"/>
+  <p:notesSz cx="9144000" cy="6858000"/>
   <p:defaultTextStyle>
     <a:defPPr>
       <a:defRPr lang="en-US"/>
@@ -124,7 +127,212 @@
       </a:defRPr>
     </a:lvl9pPr>
   </p:defaultTextStyle>
+  <p:extLst>
+    <p:ext uri="{EFAFB233-063F-42B5-8137-9DF3F51BA10A}">
+      <p15:sldGuideLst xmlns:p15="http://schemas.microsoft.com/office/powerpoint/2012/main">
+        <p15:guide id="1" orient="horz" pos="2160">
+          <p15:clr>
+            <a:srgbClr val="A4A3A4"/>
+          </p15:clr>
+        </p15:guide>
+        <p15:guide id="2" pos="2880">
+          <p15:clr>
+            <a:srgbClr val="A4A3A4"/>
+          </p15:clr>
+        </p15:guide>
+      </p15:sldGuideLst>
+    </p:ext>
+  </p:extLst>
 </p:presentation>
+</file>
+
+<file path=ppt/handoutMasters/handoutMaster1.xml><?xml version="1.0" encoding="utf-8"?>
+<p:handoutMaster xmlns:a="http://schemas.openxmlformats.org/drawingml/2006/main" xmlns:r="http://schemas.openxmlformats.org/officeDocument/2006/relationships" xmlns:p="http://schemas.openxmlformats.org/presentationml/2006/main">
+  <p:cSld>
+    <p:bg>
+      <p:bgRef idx="1001">
+        <a:schemeClr val="bg1"/>
+      </p:bgRef>
+    </p:bg>
+    <p:spTree>
+      <p:nvGrpSpPr>
+        <p:cNvPr id="1" name=""/>
+        <p:cNvGrpSpPr/>
+        <p:nvPr/>
+      </p:nvGrpSpPr>
+      <p:grpSpPr>
+        <a:xfrm>
+          <a:off x="0" y="0"/>
+          <a:ext cx="0" cy="0"/>
+          <a:chOff x="0" y="0"/>
+          <a:chExt cx="0" cy="0"/>
+        </a:xfrm>
+      </p:grpSpPr>
+      <p:sp>
+        <p:nvSpPr>
+          <p:cNvPr id="2" name="Header Placeholder 1">
+            <a:extLst>
+              <a:ext uri="{FF2B5EF4-FFF2-40B4-BE49-F238E27FC236}">
+                <a16:creationId xmlns:a16="http://schemas.microsoft.com/office/drawing/2014/main" id="{63FFDAC2-284D-384A-86AE-223C4776C26F}"/>
+              </a:ext>
+            </a:extLst>
+          </p:cNvPr>
+          <p:cNvSpPr>
+            <a:spLocks noGrp="1"/>
+          </p:cNvSpPr>
+          <p:nvPr>
+            <p:ph type="hdr" sz="quarter"/>
+          </p:nvPr>
+        </p:nvSpPr>
+        <p:spPr>
+          <a:xfrm>
+            <a:off x="0" y="0"/>
+            <a:ext cx="3962400" cy="344091"/>
+          </a:xfrm>
+          <a:prstGeom prst="rect">
+            <a:avLst/>
+          </a:prstGeom>
+        </p:spPr>
+        <p:txBody>
+          <a:bodyPr vert="horz" lIns="91440" tIns="45720" rIns="91440" bIns="45720" rtlCol="0"/>
+          <a:lstStyle>
+            <a:lvl1pPr algn="l">
+              <a:defRPr sz="1200"/>
+            </a:lvl1pPr>
+          </a:lstStyle>
+          <a:p>
+            <a:endParaRPr lang="en-US"/>
+          </a:p>
+        </p:txBody>
+      </p:sp>
+      <p:sp>
+        <p:nvSpPr>
+          <p:cNvPr id="3" name="Date Placeholder 2">
+            <a:extLst>
+              <a:ext uri="{FF2B5EF4-FFF2-40B4-BE49-F238E27FC236}">
+                <a16:creationId xmlns:a16="http://schemas.microsoft.com/office/drawing/2014/main" id="{BB814F6A-3EC6-BE41-BA37-1CF8F1553BEE}"/>
+              </a:ext>
+            </a:extLst>
+          </p:cNvPr>
+          <p:cNvSpPr>
+            <a:spLocks noGrp="1"/>
+          </p:cNvSpPr>
+          <p:nvPr>
+            <p:ph type="dt" sz="quarter" idx="1"/>
+          </p:nvPr>
+        </p:nvSpPr>
+        <p:spPr>
+          <a:xfrm>
+            <a:off x="5179484" y="0"/>
+            <a:ext cx="3962400" cy="344091"/>
+          </a:xfrm>
+          <a:prstGeom prst="rect">
+            <a:avLst/>
+          </a:prstGeom>
+        </p:spPr>
+        <p:txBody>
+          <a:bodyPr vert="horz" lIns="91440" tIns="45720" rIns="91440" bIns="45720" rtlCol="0"/>
+          <a:lstStyle>
+            <a:lvl1pPr algn="r">
+              <a:defRPr sz="1200"/>
+            </a:lvl1pPr>
+          </a:lstStyle>
+          <a:p>
+            <a:fld id="{69B1E6D1-BD8B-BA46-A2AB-777A53B8B7DD}" type="datetimeFigureOut">
+              <a:rPr lang="en-US" smtClean="0"/>
+              <a:t>3/8/20</a:t>
+            </a:fld>
+            <a:endParaRPr lang="en-US"/>
+          </a:p>
+        </p:txBody>
+      </p:sp>
+      <p:sp>
+        <p:nvSpPr>
+          <p:cNvPr id="4" name="Footer Placeholder 3">
+            <a:extLst>
+              <a:ext uri="{FF2B5EF4-FFF2-40B4-BE49-F238E27FC236}">
+                <a16:creationId xmlns:a16="http://schemas.microsoft.com/office/drawing/2014/main" id="{92297D6C-C797-6143-AE6C-61933E962A37}"/>
+              </a:ext>
+            </a:extLst>
+          </p:cNvPr>
+          <p:cNvSpPr>
+            <a:spLocks noGrp="1"/>
+          </p:cNvSpPr>
+          <p:nvPr>
+            <p:ph type="ftr" sz="quarter" idx="2"/>
+          </p:nvPr>
+        </p:nvSpPr>
+        <p:spPr>
+          <a:xfrm>
+            <a:off x="0" y="6513910"/>
+            <a:ext cx="3962400" cy="344090"/>
+          </a:xfrm>
+          <a:prstGeom prst="rect">
+            <a:avLst/>
+          </a:prstGeom>
+        </p:spPr>
+        <p:txBody>
+          <a:bodyPr vert="horz" lIns="91440" tIns="45720" rIns="91440" bIns="45720" rtlCol="0" anchor="b"/>
+          <a:lstStyle>
+            <a:lvl1pPr algn="l">
+              <a:defRPr sz="1200"/>
+            </a:lvl1pPr>
+          </a:lstStyle>
+          <a:p>
+            <a:endParaRPr lang="en-US"/>
+          </a:p>
+        </p:txBody>
+      </p:sp>
+      <p:sp>
+        <p:nvSpPr>
+          <p:cNvPr id="5" name="Slide Number Placeholder 4">
+            <a:extLst>
+              <a:ext uri="{FF2B5EF4-FFF2-40B4-BE49-F238E27FC236}">
+                <a16:creationId xmlns:a16="http://schemas.microsoft.com/office/drawing/2014/main" id="{2A7C1E77-1D4D-614F-9EF7-994129DE7CBD}"/>
+              </a:ext>
+            </a:extLst>
+          </p:cNvPr>
+          <p:cNvSpPr>
+            <a:spLocks noGrp="1"/>
+          </p:cNvSpPr>
+          <p:nvPr>
+            <p:ph type="sldNum" sz="quarter" idx="3"/>
+          </p:nvPr>
+        </p:nvSpPr>
+        <p:spPr>
+          <a:xfrm>
+            <a:off x="5179484" y="6513910"/>
+            <a:ext cx="3962400" cy="344090"/>
+          </a:xfrm>
+          <a:prstGeom prst="rect">
+            <a:avLst/>
+          </a:prstGeom>
+        </p:spPr>
+        <p:txBody>
+          <a:bodyPr vert="horz" lIns="91440" tIns="45720" rIns="91440" bIns="45720" rtlCol="0" anchor="b"/>
+          <a:lstStyle>
+            <a:lvl1pPr algn="r">
+              <a:defRPr sz="1200"/>
+            </a:lvl1pPr>
+          </a:lstStyle>
+          <a:p>
+            <a:fld id="{D3A548CA-A5EA-0847-A2FC-7C85EC90CC70}" type="slidenum">
+              <a:rPr lang="en-US" smtClean="0"/>
+              <a:t>‹#›</a:t>
+            </a:fld>
+            <a:endParaRPr lang="en-US"/>
+          </a:p>
+        </p:txBody>
+      </p:sp>
+    </p:spTree>
+    <p:extLst>
+      <p:ext uri="{BB962C8B-B14F-4D97-AF65-F5344CB8AC3E}">
+        <p14:creationId xmlns:p14="http://schemas.microsoft.com/office/powerpoint/2010/main" val="1177036975"/>
+      </p:ext>
+    </p:extLst>
+  </p:cSld>
+  <p:clrMap bg1="lt1" tx1="dk1" bg2="lt2" tx2="dk2" accent1="accent1" accent2="accent2" accent3="accent3" accent4="accent4" accent5="accent5" accent6="accent6" hlink="hlink" folHlink="folHlink"/>
+</p:handoutMaster>
 </file>
 
 <file path=ppt/slideLayouts/slideLayout1.xml><?xml version="1.0" encoding="utf-8"?>
@@ -165,10 +373,9 @@
           <a:lstStyle/>
           <a:p>
             <a:r>
-              <a:rPr lang="en-US" smtClean="0"/>
+              <a:rPr lang="en-US"/>
               <a:t>Click to edit Master title style</a:t>
             </a:r>
-            <a:endParaRPr lang="en-US"/>
           </a:p>
         </p:txBody>
       </p:sp>
@@ -284,10 +491,9 @@
           </a:lstStyle>
           <a:p>
             <a:r>
-              <a:rPr lang="en-US" smtClean="0"/>
+              <a:rPr lang="en-US"/>
               <a:t>Click to edit Master subtitle style</a:t>
             </a:r>
-            <a:endParaRPr lang="en-US"/>
           </a:p>
         </p:txBody>
       </p:sp>
@@ -308,7 +514,7 @@
           <a:p>
             <a:fld id="{3EB7AA57-F3A3-42A0-8BE6-07297BFBA43C}" type="datetimeFigureOut">
               <a:rPr lang="en-US" smtClean="0"/>
-              <a:t>8/2/2013</a:t>
+              <a:t>3/8/20</a:t>
             </a:fld>
             <a:endParaRPr lang="en-US"/>
           </a:p>
@@ -402,10 +608,9 @@
           <a:lstStyle/>
           <a:p>
             <a:r>
-              <a:rPr lang="en-US" smtClean="0"/>
+              <a:rPr lang="en-US"/>
               <a:t>Click to edit Master title style</a:t>
             </a:r>
-            <a:endParaRPr lang="en-US"/>
           </a:p>
         </p:txBody>
       </p:sp>
@@ -426,38 +631,37 @@
           <a:p>
             <a:pPr lvl="0"/>
             <a:r>
-              <a:rPr lang="en-US" smtClean="0"/>
+              <a:rPr lang="en-US"/>
               <a:t>Click to edit Master text styles</a:t>
             </a:r>
           </a:p>
           <a:p>
             <a:pPr lvl="1"/>
             <a:r>
-              <a:rPr lang="en-US" smtClean="0"/>
+              <a:rPr lang="en-US"/>
               <a:t>Second level</a:t>
             </a:r>
           </a:p>
           <a:p>
             <a:pPr lvl="2"/>
             <a:r>
-              <a:rPr lang="en-US" smtClean="0"/>
+              <a:rPr lang="en-US"/>
               <a:t>Third level</a:t>
             </a:r>
           </a:p>
           <a:p>
             <a:pPr lvl="3"/>
             <a:r>
-              <a:rPr lang="en-US" smtClean="0"/>
+              <a:rPr lang="en-US"/>
               <a:t>Fourth level</a:t>
             </a:r>
           </a:p>
           <a:p>
             <a:pPr lvl="4"/>
             <a:r>
-              <a:rPr lang="en-US" smtClean="0"/>
+              <a:rPr lang="en-US"/>
               <a:t>Fifth level</a:t>
             </a:r>
-            <a:endParaRPr lang="en-US"/>
           </a:p>
         </p:txBody>
       </p:sp>
@@ -478,7 +682,7 @@
           <a:p>
             <a:fld id="{3EB7AA57-F3A3-42A0-8BE6-07297BFBA43C}" type="datetimeFigureOut">
               <a:rPr lang="en-US" smtClean="0"/>
-              <a:t>8/2/2013</a:t>
+              <a:t>3/8/20</a:t>
             </a:fld>
             <a:endParaRPr lang="en-US"/>
           </a:p>
@@ -577,10 +781,9 @@
           <a:lstStyle/>
           <a:p>
             <a:r>
-              <a:rPr lang="en-US" smtClean="0"/>
+              <a:rPr lang="en-US"/>
               <a:t>Click to edit Master title style</a:t>
             </a:r>
-            <a:endParaRPr lang="en-US"/>
           </a:p>
         </p:txBody>
       </p:sp>
@@ -606,38 +809,37 @@
           <a:p>
             <a:pPr lvl="0"/>
             <a:r>
-              <a:rPr lang="en-US" smtClean="0"/>
+              <a:rPr lang="en-US"/>
               <a:t>Click to edit Master text styles</a:t>
             </a:r>
           </a:p>
           <a:p>
             <a:pPr lvl="1"/>
             <a:r>
-              <a:rPr lang="en-US" smtClean="0"/>
+              <a:rPr lang="en-US"/>
               <a:t>Second level</a:t>
             </a:r>
           </a:p>
           <a:p>
             <a:pPr lvl="2"/>
             <a:r>
-              <a:rPr lang="en-US" smtClean="0"/>
+              <a:rPr lang="en-US"/>
               <a:t>Third level</a:t>
             </a:r>
           </a:p>
           <a:p>
             <a:pPr lvl="3"/>
             <a:r>
-              <a:rPr lang="en-US" smtClean="0"/>
+              <a:rPr lang="en-US"/>
               <a:t>Fourth level</a:t>
             </a:r>
           </a:p>
           <a:p>
             <a:pPr lvl="4"/>
             <a:r>
-              <a:rPr lang="en-US" smtClean="0"/>
+              <a:rPr lang="en-US"/>
               <a:t>Fifth level</a:t>
             </a:r>
-            <a:endParaRPr lang="en-US"/>
           </a:p>
         </p:txBody>
       </p:sp>
@@ -658,7 +860,7 @@
           <a:p>
             <a:fld id="{3EB7AA57-F3A3-42A0-8BE6-07297BFBA43C}" type="datetimeFigureOut">
               <a:rPr lang="en-US" smtClean="0"/>
-              <a:t>8/2/2013</a:t>
+              <a:t>3/8/20</a:t>
             </a:fld>
             <a:endParaRPr lang="en-US"/>
           </a:p>
@@ -752,10 +954,9 @@
           <a:lstStyle/>
           <a:p>
             <a:r>
-              <a:rPr lang="en-US" smtClean="0"/>
+              <a:rPr lang="en-US"/>
               <a:t>Click to edit Master title style</a:t>
             </a:r>
-            <a:endParaRPr lang="en-US"/>
           </a:p>
         </p:txBody>
       </p:sp>
@@ -776,38 +977,37 @@
           <a:p>
             <a:pPr lvl="0"/>
             <a:r>
-              <a:rPr lang="en-US" smtClean="0"/>
+              <a:rPr lang="en-US"/>
               <a:t>Click to edit Master text styles</a:t>
             </a:r>
           </a:p>
           <a:p>
             <a:pPr lvl="1"/>
             <a:r>
-              <a:rPr lang="en-US" smtClean="0"/>
+              <a:rPr lang="en-US"/>
               <a:t>Second level</a:t>
             </a:r>
           </a:p>
           <a:p>
             <a:pPr lvl="2"/>
             <a:r>
-              <a:rPr lang="en-US" smtClean="0"/>
+              <a:rPr lang="en-US"/>
               <a:t>Third level</a:t>
             </a:r>
           </a:p>
           <a:p>
             <a:pPr lvl="3"/>
             <a:r>
-              <a:rPr lang="en-US" smtClean="0"/>
+              <a:rPr lang="en-US"/>
               <a:t>Fourth level</a:t>
             </a:r>
           </a:p>
           <a:p>
             <a:pPr lvl="4"/>
             <a:r>
-              <a:rPr lang="en-US" smtClean="0"/>
+              <a:rPr lang="en-US"/>
               <a:t>Fifth level</a:t>
             </a:r>
-            <a:endParaRPr lang="en-US"/>
           </a:p>
         </p:txBody>
       </p:sp>
@@ -828,7 +1028,7 @@
           <a:p>
             <a:fld id="{3EB7AA57-F3A3-42A0-8BE6-07297BFBA43C}" type="datetimeFigureOut">
               <a:rPr lang="en-US" smtClean="0"/>
-              <a:t>8/2/2013</a:t>
+              <a:t>3/8/20</a:t>
             </a:fld>
             <a:endParaRPr lang="en-US"/>
           </a:p>
@@ -931,10 +1131,9 @@
           </a:lstStyle>
           <a:p>
             <a:r>
-              <a:rPr lang="en-US" smtClean="0"/>
+              <a:rPr lang="en-US"/>
               <a:t>Click to edit Master title style</a:t>
             </a:r>
-            <a:endParaRPr lang="en-US"/>
           </a:p>
         </p:txBody>
       </p:sp>
@@ -1051,7 +1250,7 @@
           <a:p>
             <a:pPr lvl="0"/>
             <a:r>
-              <a:rPr lang="en-US" smtClean="0"/>
+              <a:rPr lang="en-US"/>
               <a:t>Click to edit Master text styles</a:t>
             </a:r>
           </a:p>
@@ -1074,7 +1273,7 @@
           <a:p>
             <a:fld id="{3EB7AA57-F3A3-42A0-8BE6-07297BFBA43C}" type="datetimeFigureOut">
               <a:rPr lang="en-US" smtClean="0"/>
-              <a:t>8/2/2013</a:t>
+              <a:t>3/8/20</a:t>
             </a:fld>
             <a:endParaRPr lang="en-US"/>
           </a:p>
@@ -1168,10 +1367,9 @@
           <a:lstStyle/>
           <a:p>
             <a:r>
-              <a:rPr lang="en-US" smtClean="0"/>
+              <a:rPr lang="en-US"/>
               <a:t>Click to edit Master title style</a:t>
             </a:r>
-            <a:endParaRPr lang="en-US"/>
           </a:p>
         </p:txBody>
       </p:sp>
@@ -1225,38 +1423,37 @@
           <a:p>
             <a:pPr lvl="0"/>
             <a:r>
-              <a:rPr lang="en-US" smtClean="0"/>
+              <a:rPr lang="en-US"/>
               <a:t>Click to edit Master text styles</a:t>
             </a:r>
           </a:p>
           <a:p>
             <a:pPr lvl="1"/>
             <a:r>
-              <a:rPr lang="en-US" smtClean="0"/>
+              <a:rPr lang="en-US"/>
               <a:t>Second level</a:t>
             </a:r>
           </a:p>
           <a:p>
             <a:pPr lvl="2"/>
             <a:r>
-              <a:rPr lang="en-US" smtClean="0"/>
+              <a:rPr lang="en-US"/>
               <a:t>Third level</a:t>
             </a:r>
           </a:p>
           <a:p>
             <a:pPr lvl="3"/>
             <a:r>
-              <a:rPr lang="en-US" smtClean="0"/>
+              <a:rPr lang="en-US"/>
               <a:t>Fourth level</a:t>
             </a:r>
           </a:p>
           <a:p>
             <a:pPr lvl="4"/>
             <a:r>
-              <a:rPr lang="en-US" smtClean="0"/>
+              <a:rPr lang="en-US"/>
               <a:t>Fifth level</a:t>
             </a:r>
-            <a:endParaRPr lang="en-US"/>
           </a:p>
         </p:txBody>
       </p:sp>
@@ -1310,38 +1507,37 @@
           <a:p>
             <a:pPr lvl="0"/>
             <a:r>
-              <a:rPr lang="en-US" smtClean="0"/>
+              <a:rPr lang="en-US"/>
               <a:t>Click to edit Master text styles</a:t>
             </a:r>
           </a:p>
           <a:p>
             <a:pPr lvl="1"/>
             <a:r>
-              <a:rPr lang="en-US" smtClean="0"/>
+              <a:rPr lang="en-US"/>
               <a:t>Second level</a:t>
             </a:r>
           </a:p>
           <a:p>
             <a:pPr lvl="2"/>
             <a:r>
-              <a:rPr lang="en-US" smtClean="0"/>
+              <a:rPr lang="en-US"/>
               <a:t>Third level</a:t>
             </a:r>
           </a:p>
           <a:p>
             <a:pPr lvl="3"/>
             <a:r>
-              <a:rPr lang="en-US" smtClean="0"/>
+              <a:rPr lang="en-US"/>
               <a:t>Fourth level</a:t>
             </a:r>
           </a:p>
           <a:p>
             <a:pPr lvl="4"/>
             <a:r>
-              <a:rPr lang="en-US" smtClean="0"/>
+              <a:rPr lang="en-US"/>
               <a:t>Fifth level</a:t>
             </a:r>
-            <a:endParaRPr lang="en-US"/>
           </a:p>
         </p:txBody>
       </p:sp>
@@ -1362,7 +1558,7 @@
           <a:p>
             <a:fld id="{3EB7AA57-F3A3-42A0-8BE6-07297BFBA43C}" type="datetimeFigureOut">
               <a:rPr lang="en-US" smtClean="0"/>
-              <a:t>8/2/2013</a:t>
+              <a:t>3/8/20</a:t>
             </a:fld>
             <a:endParaRPr lang="en-US"/>
           </a:p>
@@ -1460,10 +1656,9 @@
           </a:lstStyle>
           <a:p>
             <a:r>
-              <a:rPr lang="en-US" smtClean="0"/>
+              <a:rPr lang="en-US"/>
               <a:t>Click to edit Master title style</a:t>
             </a:r>
-            <a:endParaRPr lang="en-US"/>
           </a:p>
         </p:txBody>
       </p:sp>
@@ -1526,7 +1721,7 @@
           <a:p>
             <a:pPr lvl="0"/>
             <a:r>
-              <a:rPr lang="en-US" smtClean="0"/>
+              <a:rPr lang="en-US"/>
               <a:t>Click to edit Master text styles</a:t>
             </a:r>
           </a:p>
@@ -1582,38 +1777,37 @@
           <a:p>
             <a:pPr lvl="0"/>
             <a:r>
-              <a:rPr lang="en-US" smtClean="0"/>
+              <a:rPr lang="en-US"/>
               <a:t>Click to edit Master text styles</a:t>
             </a:r>
           </a:p>
           <a:p>
             <a:pPr lvl="1"/>
             <a:r>
-              <a:rPr lang="en-US" smtClean="0"/>
+              <a:rPr lang="en-US"/>
               <a:t>Second level</a:t>
             </a:r>
           </a:p>
           <a:p>
             <a:pPr lvl="2"/>
             <a:r>
-              <a:rPr lang="en-US" smtClean="0"/>
+              <a:rPr lang="en-US"/>
               <a:t>Third level</a:t>
             </a:r>
           </a:p>
           <a:p>
             <a:pPr lvl="3"/>
             <a:r>
-              <a:rPr lang="en-US" smtClean="0"/>
+              <a:rPr lang="en-US"/>
               <a:t>Fourth level</a:t>
             </a:r>
           </a:p>
           <a:p>
             <a:pPr lvl="4"/>
             <a:r>
-              <a:rPr lang="en-US" smtClean="0"/>
+              <a:rPr lang="en-US"/>
               <a:t>Fifth level</a:t>
             </a:r>
-            <a:endParaRPr lang="en-US"/>
           </a:p>
         </p:txBody>
       </p:sp>
@@ -1676,7 +1870,7 @@
           <a:p>
             <a:pPr lvl="0"/>
             <a:r>
-              <a:rPr lang="en-US" smtClean="0"/>
+              <a:rPr lang="en-US"/>
               <a:t>Click to edit Master text styles</a:t>
             </a:r>
           </a:p>
@@ -1732,38 +1926,37 @@
           <a:p>
             <a:pPr lvl="0"/>
             <a:r>
-              <a:rPr lang="en-US" smtClean="0"/>
+              <a:rPr lang="en-US"/>
               <a:t>Click to edit Master text styles</a:t>
             </a:r>
           </a:p>
           <a:p>
             <a:pPr lvl="1"/>
             <a:r>
-              <a:rPr lang="en-US" smtClean="0"/>
+              <a:rPr lang="en-US"/>
               <a:t>Second level</a:t>
             </a:r>
           </a:p>
           <a:p>
             <a:pPr lvl="2"/>
             <a:r>
-              <a:rPr lang="en-US" smtClean="0"/>
+              <a:rPr lang="en-US"/>
               <a:t>Third level</a:t>
             </a:r>
           </a:p>
           <a:p>
             <a:pPr lvl="3"/>
             <a:r>
-              <a:rPr lang="en-US" smtClean="0"/>
+              <a:rPr lang="en-US"/>
               <a:t>Fourth level</a:t>
             </a:r>
           </a:p>
           <a:p>
             <a:pPr lvl="4"/>
             <a:r>
-              <a:rPr lang="en-US" smtClean="0"/>
+              <a:rPr lang="en-US"/>
               <a:t>Fifth level</a:t>
             </a:r>
-            <a:endParaRPr lang="en-US"/>
           </a:p>
         </p:txBody>
       </p:sp>
@@ -1784,7 +1977,7 @@
           <a:p>
             <a:fld id="{3EB7AA57-F3A3-42A0-8BE6-07297BFBA43C}" type="datetimeFigureOut">
               <a:rPr lang="en-US" smtClean="0"/>
-              <a:t>8/2/2013</a:t>
+              <a:t>3/8/20</a:t>
             </a:fld>
             <a:endParaRPr lang="en-US"/>
           </a:p>
@@ -1878,10 +2071,9 @@
           <a:lstStyle/>
           <a:p>
             <a:r>
-              <a:rPr lang="en-US" smtClean="0"/>
+              <a:rPr lang="en-US"/>
               <a:t>Click to edit Master title style</a:t>
             </a:r>
-            <a:endParaRPr lang="en-US"/>
           </a:p>
         </p:txBody>
       </p:sp>
@@ -1902,7 +2094,7 @@
           <a:p>
             <a:fld id="{3EB7AA57-F3A3-42A0-8BE6-07297BFBA43C}" type="datetimeFigureOut">
               <a:rPr lang="en-US" smtClean="0"/>
-              <a:t>8/2/2013</a:t>
+              <a:t>3/8/20</a:t>
             </a:fld>
             <a:endParaRPr lang="en-US"/>
           </a:p>
@@ -1997,7 +2189,7 @@
           <a:p>
             <a:fld id="{3EB7AA57-F3A3-42A0-8BE6-07297BFBA43C}" type="datetimeFigureOut">
               <a:rPr lang="en-US" smtClean="0"/>
-              <a:t>8/2/2013</a:t>
+              <a:t>3/8/20</a:t>
             </a:fld>
             <a:endParaRPr lang="en-US"/>
           </a:p>
@@ -2100,10 +2292,9 @@
           </a:lstStyle>
           <a:p>
             <a:r>
-              <a:rPr lang="en-US" smtClean="0"/>
+              <a:rPr lang="en-US"/>
               <a:t>Click to edit Master title style</a:t>
             </a:r>
-            <a:endParaRPr lang="en-US"/>
           </a:p>
         </p:txBody>
       </p:sp>
@@ -2157,38 +2348,37 @@
           <a:p>
             <a:pPr lvl="0"/>
             <a:r>
-              <a:rPr lang="en-US" smtClean="0"/>
+              <a:rPr lang="en-US"/>
               <a:t>Click to edit Master text styles</a:t>
             </a:r>
           </a:p>
           <a:p>
             <a:pPr lvl="1"/>
             <a:r>
-              <a:rPr lang="en-US" smtClean="0"/>
+              <a:rPr lang="en-US"/>
               <a:t>Second level</a:t>
             </a:r>
           </a:p>
           <a:p>
             <a:pPr lvl="2"/>
             <a:r>
-              <a:rPr lang="en-US" smtClean="0"/>
+              <a:rPr lang="en-US"/>
               <a:t>Third level</a:t>
             </a:r>
           </a:p>
           <a:p>
             <a:pPr lvl="3"/>
             <a:r>
-              <a:rPr lang="en-US" smtClean="0"/>
+              <a:rPr lang="en-US"/>
               <a:t>Fourth level</a:t>
             </a:r>
           </a:p>
           <a:p>
             <a:pPr lvl="4"/>
             <a:r>
-              <a:rPr lang="en-US" smtClean="0"/>
+              <a:rPr lang="en-US"/>
               <a:t>Fifth level</a:t>
             </a:r>
-            <a:endParaRPr lang="en-US"/>
           </a:p>
         </p:txBody>
       </p:sp>
@@ -2251,7 +2441,7 @@
           <a:p>
             <a:pPr lvl="0"/>
             <a:r>
-              <a:rPr lang="en-US" smtClean="0"/>
+              <a:rPr lang="en-US"/>
               <a:t>Click to edit Master text styles</a:t>
             </a:r>
           </a:p>
@@ -2274,7 +2464,7 @@
           <a:p>
             <a:fld id="{3EB7AA57-F3A3-42A0-8BE6-07297BFBA43C}" type="datetimeFigureOut">
               <a:rPr lang="en-US" smtClean="0"/>
-              <a:t>8/2/2013</a:t>
+              <a:t>3/8/20</a:t>
             </a:fld>
             <a:endParaRPr lang="en-US"/>
           </a:p>
@@ -2377,10 +2567,9 @@
           </a:lstStyle>
           <a:p>
             <a:r>
-              <a:rPr lang="en-US" smtClean="0"/>
+              <a:rPr lang="en-US"/>
               <a:t>Click to edit Master title style</a:t>
             </a:r>
-            <a:endParaRPr lang="en-US"/>
           </a:p>
         </p:txBody>
       </p:sp>
@@ -2504,7 +2693,7 @@
           <a:p>
             <a:pPr lvl="0"/>
             <a:r>
-              <a:rPr lang="en-US" smtClean="0"/>
+              <a:rPr lang="en-US"/>
               <a:t>Click to edit Master text styles</a:t>
             </a:r>
           </a:p>
@@ -2527,7 +2716,7 @@
           <a:p>
             <a:fld id="{3EB7AA57-F3A3-42A0-8BE6-07297BFBA43C}" type="datetimeFigureOut">
               <a:rPr lang="en-US" smtClean="0"/>
-              <a:t>8/2/2013</a:t>
+              <a:t>3/8/20</a:t>
             </a:fld>
             <a:endParaRPr lang="en-US"/>
           </a:p>
@@ -2642,10 +2831,9 @@
           <a:lstStyle/>
           <a:p>
             <a:r>
-              <a:rPr lang="en-US" smtClean="0"/>
+              <a:rPr lang="en-US"/>
               <a:t>Click to edit Master title style</a:t>
             </a:r>
-            <a:endParaRPr lang="en-US"/>
           </a:p>
         </p:txBody>
       </p:sp>
@@ -2676,38 +2864,37 @@
           <a:p>
             <a:pPr lvl="0"/>
             <a:r>
-              <a:rPr lang="en-US" smtClean="0"/>
+              <a:rPr lang="en-US"/>
               <a:t>Click to edit Master text styles</a:t>
             </a:r>
           </a:p>
           <a:p>
             <a:pPr lvl="1"/>
             <a:r>
-              <a:rPr lang="en-US" smtClean="0"/>
+              <a:rPr lang="en-US"/>
               <a:t>Second level</a:t>
             </a:r>
           </a:p>
           <a:p>
             <a:pPr lvl="2"/>
             <a:r>
-              <a:rPr lang="en-US" smtClean="0"/>
+              <a:rPr lang="en-US"/>
               <a:t>Third level</a:t>
             </a:r>
           </a:p>
           <a:p>
             <a:pPr lvl="3"/>
             <a:r>
-              <a:rPr lang="en-US" smtClean="0"/>
+              <a:rPr lang="en-US"/>
               <a:t>Fourth level</a:t>
             </a:r>
           </a:p>
           <a:p>
             <a:pPr lvl="4"/>
             <a:r>
-              <a:rPr lang="en-US" smtClean="0"/>
+              <a:rPr lang="en-US"/>
               <a:t>Fifth level</a:t>
             </a:r>
-            <a:endParaRPr lang="en-US"/>
           </a:p>
         </p:txBody>
       </p:sp>
@@ -2746,7 +2933,7 @@
           <a:p>
             <a:fld id="{3EB7AA57-F3A3-42A0-8BE6-07297BFBA43C}" type="datetimeFigureOut">
               <a:rPr lang="en-US" smtClean="0"/>
-              <a:t>8/2/2013</a:t>
+              <a:t>3/8/20</a:t>
             </a:fld>
             <a:endParaRPr lang="en-US"/>
           </a:p>
@@ -3139,17 +3326,16 @@
           <a:lstStyle/>
           <a:p>
             <a:r>
-              <a:rPr lang="en-US" dirty="0" smtClean="0"/>
+              <a:rPr lang="en-US" dirty="0"/>
               <a:t>Chapter 1</a:t>
             </a:r>
             <a:br>
-              <a:rPr lang="en-US" dirty="0" smtClean="0"/>
+              <a:rPr lang="en-US" dirty="0"/>
             </a:br>
             <a:r>
-              <a:rPr lang="en-US" dirty="0" smtClean="0"/>
+              <a:rPr lang="en-US" dirty="0"/>
               <a:t>The Uniqueness of Software Quality Assurance</a:t>
             </a:r>
-            <a:endParaRPr lang="en-US" dirty="0"/>
           </a:p>
         </p:txBody>
       </p:sp>
@@ -3225,7 +3411,7 @@
           <a:lstStyle/>
           <a:p>
             <a:r>
-              <a:rPr lang="en-US" dirty="0" smtClean="0"/>
+              <a:rPr lang="en-US" dirty="0"/>
               <a:t>Only Chance to Discover Defects:</a:t>
             </a:r>
           </a:p>
@@ -3254,66 +3440,66 @@
           <a:lstStyle/>
           <a:p>
             <a:r>
-              <a:rPr lang="en-US" b="1" dirty="0" smtClean="0"/>
+              <a:rPr lang="en-US" b="1" dirty="0"/>
               <a:t>Best chance to really detect defects occurs during the software development process itself!</a:t>
             </a:r>
           </a:p>
           <a:p>
-            <a:endParaRPr lang="en-US" dirty="0" smtClean="0"/>
-          </a:p>
-          <a:p>
-            <a:r>
-              <a:rPr lang="en-US" sz="2200" dirty="0" smtClean="0"/>
+            <a:endParaRPr lang="en-US" dirty="0"/>
+          </a:p>
+          <a:p>
+            <a:r>
+              <a:rPr lang="en-US" sz="2200" dirty="0"/>
               <a:t>“The need for special tools and methods for the software industry is reflected in the professional publications as well in special standards </a:t>
             </a:r>
             <a:r>
-              <a:rPr lang="en-US" sz="2200" u="sng" dirty="0" smtClean="0"/>
+              <a:rPr lang="en-US" sz="2200" u="sng" dirty="0"/>
               <a:t>devoted</a:t>
             </a:r>
             <a:r>
-              <a:rPr lang="en-US" sz="2200" dirty="0" smtClean="0"/>
+              <a:rPr lang="en-US" sz="2200" dirty="0"/>
               <a:t> to SQA, such as ISO 9000-3, “Guidelines for the application of ISO 9001 to the development, supply, and maintenance of software.”</a:t>
             </a:r>
           </a:p>
           <a:p>
             <a:r>
-              <a:rPr lang="en-US" sz="2200" dirty="0" smtClean="0"/>
+              <a:rPr lang="en-US" sz="2200" dirty="0"/>
               <a:t>Another:  ISO 9004-2:  “Quality Management and Quality Systems Elements:  Guidelines for the Services.”</a:t>
             </a:r>
           </a:p>
           <a:p>
-            <a:endParaRPr lang="en-US" sz="2200" dirty="0" smtClean="0"/>
-          </a:p>
-          <a:p>
-            <a:r>
-              <a:rPr lang="en-US" sz="2200" dirty="0" smtClean="0"/>
+            <a:endParaRPr lang="en-US" sz="2200" dirty="0"/>
+          </a:p>
+          <a:p>
+            <a:r>
+              <a:rPr lang="en-US" sz="2200" dirty="0"/>
               <a:t>These characteristics of software – </a:t>
             </a:r>
           </a:p>
           <a:p>
             <a:pPr lvl="1"/>
             <a:r>
-              <a:rPr lang="en-US" sz="1800" dirty="0" smtClean="0"/>
+              <a:rPr lang="en-US" sz="1800" dirty="0"/>
               <a:t>complexity, </a:t>
             </a:r>
           </a:p>
           <a:p>
             <a:pPr lvl="1"/>
             <a:r>
-              <a:rPr lang="en-US" sz="1800" dirty="0" smtClean="0"/>
+              <a:rPr lang="en-US" sz="1800" dirty="0"/>
               <a:t>invisibility, and </a:t>
             </a:r>
           </a:p>
           <a:p>
             <a:pPr lvl="1"/>
             <a:r>
-              <a:rPr lang="en-US" sz="1800" dirty="0" smtClean="0"/>
+              <a:rPr lang="en-US" sz="1800" dirty="0"/>
               <a:t>limited opportunity to detect bugs </a:t>
             </a:r>
           </a:p>
           <a:p>
             <a:r>
-              <a:rPr lang="en-US" sz="2200" dirty="0" smtClean="0"/>
+              <a:rPr lang="en-US" sz="2200" dirty="0"/>
               <a:t>has led to the development of the ISO Guidelines and an awareness of real SQA methodology.</a:t>
             </a:r>
           </a:p>
@@ -3329,13 +3515,6 @@
   <p:clrMapOvr>
     <a:masterClrMapping/>
   </p:clrMapOvr>
-  <p:timing>
-    <p:tnLst>
-      <p:par>
-        <p:cTn id="1" dur="indefinite" restart="never" nodeType="tmRoot"/>
-      </p:par>
-    </p:tnLst>
-  </p:timing>
 </p:sld>
 </file>
 
@@ -3374,10 +3553,9 @@
           <a:lstStyle/>
           <a:p>
             <a:r>
-              <a:rPr lang="en-US" dirty="0" smtClean="0"/>
+              <a:rPr lang="en-US" dirty="0"/>
               <a:t>The Environment for which SQA Methods are Developed</a:t>
             </a:r>
-            <a:endParaRPr lang="en-US" dirty="0"/>
           </a:p>
         </p:txBody>
       </p:sp>
@@ -3404,81 +3582,80 @@
           <a:lstStyle/>
           <a:p>
             <a:r>
-              <a:rPr lang="en-US" dirty="0" smtClean="0"/>
+              <a:rPr lang="en-US" dirty="0"/>
               <a:t>Let’s look at the </a:t>
             </a:r>
             <a:r>
-              <a:rPr lang="en-US" b="1" dirty="0" smtClean="0"/>
+              <a:rPr lang="en-US" b="1" dirty="0"/>
               <a:t>environment</a:t>
             </a:r>
             <a:r>
-              <a:rPr lang="en-US" dirty="0" smtClean="0"/>
+              <a:rPr lang="en-US" dirty="0"/>
               <a:t> for professional software development and maintenance</a:t>
             </a:r>
           </a:p>
           <a:p>
             <a:r>
-              <a:rPr lang="en-US" dirty="0" smtClean="0"/>
+              <a:rPr lang="en-US" dirty="0"/>
               <a:t>Main Characteristics:</a:t>
             </a:r>
           </a:p>
           <a:p>
             <a:pPr lvl="1"/>
             <a:r>
-              <a:rPr lang="en-US" dirty="0" smtClean="0"/>
+              <a:rPr lang="en-US" dirty="0"/>
               <a:t>Contractual Conditions</a:t>
             </a:r>
           </a:p>
           <a:p>
             <a:pPr lvl="1"/>
             <a:r>
-              <a:rPr lang="en-US" dirty="0" smtClean="0"/>
+              <a:rPr lang="en-US" dirty="0"/>
               <a:t>Subjection to Customer – Supplier Relationship</a:t>
             </a:r>
           </a:p>
           <a:p>
             <a:pPr lvl="1"/>
             <a:r>
-              <a:rPr lang="en-US" dirty="0" smtClean="0"/>
+              <a:rPr lang="en-US" dirty="0"/>
               <a:t>Required Teamwork</a:t>
             </a:r>
           </a:p>
           <a:p>
             <a:pPr lvl="1"/>
             <a:r>
-              <a:rPr lang="en-US" dirty="0" smtClean="0"/>
+              <a:rPr lang="en-US" dirty="0"/>
               <a:t>Cooperation and </a:t>
             </a:r>
             <a:r>
-              <a:rPr lang="en-US" dirty="0" err="1" smtClean="0"/>
+              <a:rPr lang="en-US" dirty="0" err="1"/>
               <a:t>and</a:t>
             </a:r>
             <a:r>
-              <a:rPr lang="en-US" dirty="0" smtClean="0"/>
+              <a:rPr lang="en-US" dirty="0"/>
               <a:t> coordination with other teams.</a:t>
             </a:r>
           </a:p>
           <a:p>
             <a:pPr lvl="1"/>
             <a:r>
-              <a:rPr lang="en-US" dirty="0" smtClean="0"/>
+              <a:rPr lang="en-US" dirty="0"/>
               <a:t>Interfaces with other software systems</a:t>
             </a:r>
           </a:p>
           <a:p>
             <a:pPr lvl="1"/>
             <a:r>
-              <a:rPr lang="en-US" dirty="0" smtClean="0"/>
+              <a:rPr lang="en-US" dirty="0"/>
               <a:t>The need to continue carrying out a project despite team member changes</a:t>
             </a:r>
           </a:p>
           <a:p>
             <a:pPr lvl="1"/>
             <a:r>
-              <a:rPr lang="en-US" dirty="0" smtClean="0"/>
+              <a:rPr lang="en-US" dirty="0"/>
               <a:t>The need to continue carrying out software maintenance for an extended period.</a:t>
             </a:r>
-            <a:endParaRPr lang="en-US" dirty="0"/>
           </a:p>
         </p:txBody>
       </p:sp>
@@ -3530,10 +3707,9 @@
           <a:lstStyle/>
           <a:p>
             <a:r>
-              <a:rPr lang="en-US" dirty="0" smtClean="0"/>
+              <a:rPr lang="en-US" dirty="0"/>
               <a:t>The Environment for which SQA Methods are Developed</a:t>
             </a:r>
-            <a:endParaRPr lang="en-US" dirty="0"/>
           </a:p>
         </p:txBody>
       </p:sp>
@@ -3553,39 +3729,38 @@
           <a:lstStyle/>
           <a:p>
             <a:r>
-              <a:rPr lang="en-US" dirty="0" smtClean="0"/>
+              <a:rPr lang="en-US" dirty="0"/>
               <a:t>Contractual Conditions</a:t>
             </a:r>
           </a:p>
           <a:p>
             <a:pPr lvl="1"/>
             <a:r>
-              <a:rPr lang="en-US" dirty="0" smtClean="0"/>
+              <a:rPr lang="en-US" dirty="0"/>
               <a:t>These include functional requirements, the project budget, and the project timetable.  </a:t>
             </a:r>
           </a:p>
           <a:p>
             <a:pPr lvl="1"/>
             <a:r>
-              <a:rPr lang="en-US" dirty="0" smtClean="0"/>
+              <a:rPr lang="en-US" dirty="0"/>
               <a:t>These are the </a:t>
             </a:r>
             <a:r>
-              <a:rPr lang="en-US" dirty="0" err="1" smtClean="0"/>
+              <a:rPr lang="en-US" dirty="0" err="1"/>
               <a:t>bigees</a:t>
             </a:r>
             <a:r>
-              <a:rPr lang="en-US" dirty="0" smtClean="0"/>
+              <a:rPr lang="en-US" dirty="0"/>
               <a:t>!</a:t>
             </a:r>
           </a:p>
           <a:p>
             <a:pPr lvl="1"/>
             <a:r>
-              <a:rPr lang="en-US" dirty="0" smtClean="0"/>
+              <a:rPr lang="en-US" dirty="0"/>
               <a:t>Delivering software on time, within budget that meets or exceeds the functional requirements constitutes the thrust of contracts.  </a:t>
             </a:r>
-            <a:endParaRPr lang="en-US" dirty="0"/>
           </a:p>
         </p:txBody>
       </p:sp>
@@ -3637,10 +3812,9 @@
           <a:lstStyle/>
           <a:p>
             <a:r>
-              <a:rPr lang="en-US" dirty="0" smtClean="0"/>
+              <a:rPr lang="en-US" dirty="0"/>
               <a:t>The Environment for which SQA Methods are Developed</a:t>
             </a:r>
-            <a:endParaRPr lang="en-US" dirty="0"/>
           </a:p>
         </p:txBody>
       </p:sp>
@@ -3662,58 +3836,57 @@
           <a:lstStyle/>
           <a:p>
             <a:r>
-              <a:rPr lang="en-US" dirty="0" smtClean="0"/>
+              <a:rPr lang="en-US" dirty="0"/>
               <a:t>Subjection to Customer-Supplier Relationship</a:t>
             </a:r>
           </a:p>
           <a:p>
             <a:pPr lvl="1"/>
             <a:r>
-              <a:rPr lang="en-US" dirty="0" smtClean="0"/>
+              <a:rPr lang="en-US" dirty="0"/>
               <a:t> We must realize that the customer drives the process in many cases – submitting changes, evaluating deliverables, approving the deliverables</a:t>
             </a:r>
           </a:p>
           <a:p>
             <a:pPr lvl="1"/>
             <a:r>
-              <a:rPr lang="en-US" dirty="0" smtClean="0"/>
+              <a:rPr lang="en-US" dirty="0"/>
               <a:t>This is the relationship that is critical when software is developed  by software professionals.</a:t>
             </a:r>
           </a:p>
           <a:p>
             <a:r>
-              <a:rPr lang="en-US" dirty="0" smtClean="0"/>
+              <a:rPr lang="en-US" dirty="0"/>
               <a:t>Required Teamwork</a:t>
             </a:r>
           </a:p>
           <a:p>
             <a:pPr lvl="1"/>
             <a:r>
-              <a:rPr lang="en-US" dirty="0" smtClean="0"/>
+              <a:rPr lang="en-US" dirty="0"/>
               <a:t>Three very motivating factors for teams vice done individually:</a:t>
             </a:r>
           </a:p>
           <a:p>
             <a:pPr lvl="2"/>
             <a:r>
-              <a:rPr lang="en-US" dirty="0" smtClean="0"/>
+              <a:rPr lang="en-US" dirty="0"/>
               <a:t>Timetable requirements – team members work together</a:t>
             </a:r>
           </a:p>
           <a:p>
             <a:pPr lvl="2"/>
             <a:r>
-              <a:rPr lang="en-US" dirty="0" smtClean="0"/>
+              <a:rPr lang="en-US" dirty="0"/>
               <a:t>Have a variety of specializations</a:t>
             </a:r>
           </a:p>
           <a:p>
             <a:pPr lvl="2"/>
             <a:r>
-              <a:rPr lang="en-US" dirty="0" smtClean="0"/>
+              <a:rPr lang="en-US" dirty="0"/>
               <a:t>Mutual support and review to enhance product quality</a:t>
             </a:r>
-            <a:endParaRPr lang="en-US" dirty="0"/>
           </a:p>
         </p:txBody>
       </p:sp>
@@ -3765,10 +3938,9 @@
           <a:lstStyle/>
           <a:p>
             <a:r>
-              <a:rPr lang="en-US" dirty="0" smtClean="0"/>
+              <a:rPr lang="en-US" dirty="0"/>
               <a:t>The Environment for which SQA Methods are Developed</a:t>
             </a:r>
-            <a:endParaRPr lang="en-US" dirty="0"/>
           </a:p>
         </p:txBody>
       </p:sp>
@@ -3795,55 +3967,55 @@
           <a:lstStyle/>
           <a:p>
             <a:r>
-              <a:rPr lang="en-US" dirty="0" smtClean="0"/>
+              <a:rPr lang="en-US" dirty="0"/>
               <a:t>Cooperating and coordination with other software teams </a:t>
             </a:r>
           </a:p>
           <a:p>
             <a:pPr lvl="1"/>
             <a:r>
-              <a:rPr lang="en-US" dirty="0" smtClean="0"/>
+              <a:rPr lang="en-US" dirty="0"/>
               <a:t>In a large software development organization, there are many teams and may need to cooperate with them</a:t>
             </a:r>
           </a:p>
           <a:p>
             <a:pPr lvl="1"/>
             <a:r>
-              <a:rPr lang="en-US" dirty="0" smtClean="0"/>
+              <a:rPr lang="en-US" dirty="0"/>
               <a:t>Expertise may exist in another team.</a:t>
             </a:r>
           </a:p>
           <a:p>
             <a:pPr lvl="1"/>
             <a:r>
-              <a:rPr lang="en-US" dirty="0" smtClean="0"/>
+              <a:rPr lang="en-US" dirty="0"/>
               <a:t>Software development may outsourced in part.</a:t>
             </a:r>
           </a:p>
           <a:p>
             <a:pPr lvl="1"/>
             <a:r>
-              <a:rPr lang="en-US" dirty="0" smtClean="0"/>
+              <a:rPr lang="en-US" dirty="0"/>
               <a:t>Other teams may have developed similar software for the client and can offer tremendous help.</a:t>
             </a:r>
           </a:p>
           <a:p>
             <a:pPr lvl="1"/>
             <a:r>
-              <a:rPr lang="en-US" dirty="0" smtClean="0"/>
+              <a:rPr lang="en-US" dirty="0"/>
               <a:t>Conflicts</a:t>
             </a:r>
           </a:p>
           <a:p>
             <a:pPr lvl="1"/>
             <a:r>
-              <a:rPr lang="en-US" dirty="0" smtClean="0"/>
+              <a:rPr lang="en-US" dirty="0"/>
               <a:t>Escalation!</a:t>
             </a:r>
           </a:p>
           <a:p>
             <a:pPr lvl="1"/>
-            <a:endParaRPr lang="en-US" dirty="0" smtClean="0"/>
+            <a:endParaRPr lang="en-US" dirty="0"/>
           </a:p>
         </p:txBody>
       </p:sp>
@@ -3895,10 +4067,9 @@
           <a:lstStyle/>
           <a:p>
             <a:r>
-              <a:rPr lang="en-US" dirty="0" smtClean="0"/>
+              <a:rPr lang="en-US" dirty="0"/>
               <a:t>The Environment for which SQA Methods are Developed</a:t>
             </a:r>
-            <a:endParaRPr lang="en-US" dirty="0"/>
           </a:p>
         </p:txBody>
       </p:sp>
@@ -3920,50 +4091,42 @@
           <a:lstStyle/>
           <a:p>
             <a:r>
-              <a:rPr lang="en-US" dirty="0" smtClean="0"/>
-              <a:t>Interfaces with </a:t>
-            </a:r>
-            <a:r>
-              <a:rPr lang="en-US" dirty="0"/>
-              <a:t>O</a:t>
-            </a:r>
-            <a:r>
-              <a:rPr lang="en-US" dirty="0" smtClean="0"/>
-              <a:t>ther Systems</a:t>
+              <a:rPr lang="en-US" dirty="0"/>
+              <a:t>Interfaces with Other Systems</a:t>
             </a:r>
           </a:p>
           <a:p>
             <a:pPr lvl="1"/>
             <a:r>
-              <a:rPr lang="en-US" dirty="0" smtClean="0"/>
+              <a:rPr lang="en-US" dirty="0"/>
               <a:t>A Course Registration System – may well interface with a Class Scheduling System and perhaps a Billing System.</a:t>
             </a:r>
           </a:p>
           <a:p>
             <a:pPr lvl="1"/>
             <a:r>
-              <a:rPr lang="en-US" dirty="0" smtClean="0"/>
+              <a:rPr lang="en-US" dirty="0"/>
               <a:t>Oftentimes outputs from one system are inputs to another and vice versa!</a:t>
             </a:r>
           </a:p>
           <a:p>
             <a:pPr lvl="1"/>
             <a:r>
-              <a:rPr lang="en-US" dirty="0" smtClean="0"/>
+              <a:rPr lang="en-US" dirty="0"/>
               <a:t>A course registration system may need to ‘interface’ with an existing Billing system with different file / database formats, and more.</a:t>
             </a:r>
           </a:p>
           <a:p>
             <a:pPr lvl="1"/>
             <a:r>
-              <a:rPr lang="en-US" dirty="0" smtClean="0"/>
+              <a:rPr lang="en-US" dirty="0"/>
               <a:t>Sometimes outputs from one system are inputs to several others</a:t>
             </a:r>
           </a:p>
           <a:p>
             <a:pPr lvl="1"/>
             <a:r>
-              <a:rPr lang="en-US" dirty="0" smtClean="0"/>
+              <a:rPr lang="en-US" dirty="0"/>
               <a:t>Or, outputs from some system update master files / databases that are processed by other systems.</a:t>
             </a:r>
           </a:p>
@@ -4017,10 +4180,9 @@
           <a:lstStyle/>
           <a:p>
             <a:r>
-              <a:rPr lang="en-US" dirty="0" smtClean="0"/>
+              <a:rPr lang="en-US" dirty="0"/>
               <a:t>The Environment for which SQA Methods are Developed</a:t>
             </a:r>
-            <a:endParaRPr lang="en-US" dirty="0"/>
           </a:p>
         </p:txBody>
       </p:sp>
@@ -4123,10 +4285,9 @@
           <a:lstStyle/>
           <a:p>
             <a:r>
-              <a:rPr lang="en-US" dirty="0" smtClean="0"/>
+              <a:rPr lang="en-US" dirty="0"/>
               <a:t>The Environment for which SQA Methods are Developed</a:t>
             </a:r>
-            <a:endParaRPr lang="en-US" dirty="0"/>
           </a:p>
         </p:txBody>
       </p:sp>
@@ -4148,50 +4309,42 @@
           <a:lstStyle/>
           <a:p>
             <a:r>
-              <a:rPr lang="en-US" dirty="0" smtClean="0"/>
-              <a:t>The Need to continue Carrying out a Project despite Team </a:t>
-            </a:r>
-            <a:r>
-              <a:rPr lang="en-US" dirty="0"/>
-              <a:t>M</a:t>
-            </a:r>
-            <a:r>
-              <a:rPr lang="en-US" dirty="0" smtClean="0"/>
-              <a:t>ember Changes</a:t>
+              <a:rPr lang="en-US" dirty="0"/>
+              <a:t>The Need to continue Carrying out a Project despite Team Member Changes</a:t>
             </a:r>
           </a:p>
           <a:p>
             <a:pPr lvl="1"/>
             <a:r>
-              <a:rPr lang="en-US" dirty="0" smtClean="0"/>
+              <a:rPr lang="en-US" dirty="0"/>
               <a:t>Very commonplace!</a:t>
             </a:r>
           </a:p>
           <a:p>
             <a:pPr lvl="1"/>
             <a:r>
-              <a:rPr lang="en-US" dirty="0" smtClean="0"/>
+              <a:rPr lang="en-US" dirty="0"/>
               <a:t>“The show must go on”</a:t>
             </a:r>
           </a:p>
           <a:p>
             <a:pPr lvl="1"/>
             <a:r>
-              <a:rPr lang="en-US" dirty="0" smtClean="0"/>
+              <a:rPr lang="en-US" dirty="0"/>
               <a:t>Fred Brooks:  Adding people to a late project makes it later.</a:t>
             </a:r>
           </a:p>
           <a:p>
             <a:pPr lvl="1"/>
             <a:r>
-              <a:rPr lang="en-US" dirty="0" smtClean="0"/>
+              <a:rPr lang="en-US" dirty="0"/>
               <a:t>Fred Brooks:  Communications with new members</a:t>
             </a:r>
           </a:p>
           <a:p>
             <a:pPr lvl="1"/>
             <a:r>
-              <a:rPr lang="en-US" dirty="0" smtClean="0"/>
+              <a:rPr lang="en-US" dirty="0"/>
               <a:t>Fred Brooks:  getting new people up to speed.</a:t>
             </a:r>
           </a:p>
@@ -4232,7 +4385,7 @@
           </a:p>
           <a:p>
             <a:pPr lvl="1"/>
-            <a:endParaRPr lang="en-US" dirty="0" smtClean="0"/>
+            <a:endParaRPr lang="en-US" dirty="0"/>
           </a:p>
         </p:txBody>
       </p:sp>
@@ -4284,10 +4437,9 @@
           <a:lstStyle/>
           <a:p>
             <a:r>
-              <a:rPr lang="en-US" dirty="0" smtClean="0"/>
+              <a:rPr lang="en-US" dirty="0"/>
               <a:t>The Environment for which SQA Methods are Developed</a:t>
             </a:r>
-            <a:endParaRPr lang="en-US" dirty="0"/>
           </a:p>
         </p:txBody>
       </p:sp>
@@ -4309,35 +4461,35 @@
           <a:lstStyle/>
           <a:p>
             <a:r>
-              <a:rPr lang="en-US" dirty="0" smtClean="0"/>
+              <a:rPr lang="en-US" dirty="0"/>
               <a:t>The Need to Continue Carrying out Software Maintenance for an Extended Period</a:t>
             </a:r>
           </a:p>
           <a:p>
             <a:pPr lvl="1"/>
             <a:r>
-              <a:rPr lang="en-US" dirty="0" smtClean="0"/>
+              <a:rPr lang="en-US" dirty="0"/>
               <a:t>Software is developed to run for years.</a:t>
             </a:r>
           </a:p>
           <a:p>
             <a:pPr lvl="1"/>
             <a:r>
-              <a:rPr lang="en-US" dirty="0" smtClean="0"/>
+              <a:rPr lang="en-US" dirty="0"/>
               <a:t>Maintenance is good and where software development corporations make their money.</a:t>
             </a:r>
           </a:p>
           <a:p>
             <a:pPr lvl="1"/>
             <a:r>
-              <a:rPr lang="en-US" dirty="0" smtClean="0"/>
+              <a:rPr lang="en-US" dirty="0"/>
               <a:t>Remember, when developing software, company is in the ‘red.’</a:t>
             </a:r>
           </a:p>
           <a:p>
             <a:pPr lvl="1"/>
             <a:r>
-              <a:rPr lang="en-US" dirty="0" smtClean="0"/>
+              <a:rPr lang="en-US" dirty="0"/>
               <a:t>Takes some time after deployment for transition into the black and make revenue.  </a:t>
             </a:r>
           </a:p>
@@ -4389,10 +4541,9 @@
           <a:lstStyle/>
           <a:p>
             <a:r>
-              <a:rPr lang="en-US" dirty="0" smtClean="0"/>
+              <a:rPr lang="en-US" dirty="0"/>
               <a:t>Internal Software Development	</a:t>
             </a:r>
-            <a:endParaRPr lang="en-US" dirty="0"/>
           </a:p>
         </p:txBody>
       </p:sp>
@@ -4414,34 +4565,33 @@
           <a:lstStyle/>
           <a:p>
             <a:r>
-              <a:rPr lang="en-US" dirty="0" smtClean="0"/>
+              <a:rPr lang="en-US" dirty="0"/>
               <a:t>Not terribly different from external clients.</a:t>
             </a:r>
           </a:p>
           <a:p>
             <a:r>
-              <a:rPr lang="en-US" dirty="0" smtClean="0"/>
+              <a:rPr lang="en-US" dirty="0"/>
               <a:t>But in-house development normally eschews formal contracts and/or formal customer/supplier relationships.</a:t>
             </a:r>
           </a:p>
           <a:p>
             <a:r>
-              <a:rPr lang="en-US" dirty="0" smtClean="0"/>
+              <a:rPr lang="en-US" dirty="0"/>
               <a:t>Much in-house development or upgrading of in-house software is typical.</a:t>
             </a:r>
           </a:p>
           <a:p>
             <a:r>
-              <a:rPr lang="en-US" dirty="0" smtClean="0"/>
+              <a:rPr lang="en-US" dirty="0"/>
               <a:t>The relationships between ‘internal’ customers and development varies greatly ‘when measured by a formal-informal scale.’</a:t>
             </a:r>
           </a:p>
           <a:p>
             <a:r>
-              <a:rPr lang="en-US" dirty="0" smtClean="0"/>
+              <a:rPr lang="en-US" dirty="0"/>
               <a:t>Some managers claim that the closer the relationships to the formal form, the greater the probability for project success.</a:t>
             </a:r>
-            <a:endParaRPr lang="en-US" dirty="0"/>
           </a:p>
         </p:txBody>
       </p:sp>
@@ -4491,10 +4641,9 @@
           <a:lstStyle/>
           <a:p>
             <a:r>
-              <a:rPr lang="en-US" dirty="0" smtClean="0"/>
+              <a:rPr lang="en-US" dirty="0"/>
               <a:t>The Software Quality Challenge</a:t>
             </a:r>
-            <a:endParaRPr lang="en-US" dirty="0"/>
           </a:p>
         </p:txBody>
       </p:sp>
@@ -4514,37 +4663,37 @@
           <a:lstStyle/>
           <a:p>
             <a:r>
-              <a:rPr lang="en-US" b="1" dirty="0" smtClean="0"/>
+              <a:rPr lang="en-US" b="1" dirty="0"/>
               <a:t>This chapter is essentially about two major topics:</a:t>
             </a:r>
           </a:p>
           <a:p>
             <a:pPr lvl="1"/>
             <a:r>
-              <a:rPr lang="en-US" b="1" dirty="0" smtClean="0"/>
+              <a:rPr lang="en-US" b="1" dirty="0"/>
               <a:t>The </a:t>
             </a:r>
             <a:r>
-              <a:rPr lang="en-US" b="1" u="sng" dirty="0" smtClean="0"/>
+              <a:rPr lang="en-US" b="1" u="sng" dirty="0"/>
               <a:t>uniqueness</a:t>
             </a:r>
             <a:r>
-              <a:rPr lang="en-US" b="1" dirty="0" smtClean="0"/>
+              <a:rPr lang="en-US" b="1" dirty="0"/>
               <a:t> of software quality assurance</a:t>
             </a:r>
           </a:p>
           <a:p>
             <a:pPr lvl="1"/>
             <a:r>
-              <a:rPr lang="en-US" b="1" dirty="0" smtClean="0"/>
+              <a:rPr lang="en-US" b="1" dirty="0"/>
               <a:t>The </a:t>
             </a:r>
             <a:r>
-              <a:rPr lang="en-US" b="1" u="sng" dirty="0" smtClean="0"/>
+              <a:rPr lang="en-US" b="1" u="sng" dirty="0"/>
               <a:t>environments</a:t>
             </a:r>
             <a:r>
-              <a:rPr lang="en-US" b="1" dirty="0" smtClean="0"/>
+              <a:rPr lang="en-US" b="1" dirty="0"/>
               <a:t> for which SQA methods are developed.  </a:t>
             </a:r>
           </a:p>
@@ -4602,60 +4751,46 @@
           <a:lstStyle/>
           <a:p>
             <a:r>
-              <a:rPr lang="en-US" dirty="0" smtClean="0"/>
-              <a:t>Homework – Chapter 1</a:t>
-            </a:r>
-            <a:r>
-              <a:rPr lang="en-US" dirty="0" smtClean="0"/>
-              <a:t>	</a:t>
-            </a:r>
+              <a:rPr lang="en-US" dirty="0"/>
+              <a:t>Homework – Chapter 1	</a:t>
+            </a:r>
+          </a:p>
+        </p:txBody>
+      </p:sp>
+      <p:sp>
+        <p:nvSpPr>
+          <p:cNvPr id="3" name="Content Placeholder 2"/>
+          <p:cNvSpPr>
+            <a:spLocks noGrp="1"/>
+          </p:cNvSpPr>
+          <p:nvPr>
+            <p:ph idx="1"/>
+          </p:nvPr>
+        </p:nvSpPr>
+        <p:spPr/>
+        <p:txBody>
+          <a:bodyPr/>
+          <a:lstStyle/>
+          <a:p>
+            <a:r>
+              <a:rPr lang="en-US" dirty="0"/>
+              <a:t>You are to answer the following question in essay format and submit to me via Blackboard Assignment Chapter 1.</a:t>
+            </a:r>
+          </a:p>
+          <a:p>
+            <a:r>
+              <a:rPr lang="en-US" dirty="0"/>
+              <a:t>Question 1.3, p12</a:t>
+            </a:r>
+          </a:p>
+          <a:p>
             <a:endParaRPr lang="en-US" dirty="0"/>
           </a:p>
-        </p:txBody>
-      </p:sp>
-      <p:sp>
-        <p:nvSpPr>
-          <p:cNvPr id="3" name="Content Placeholder 2"/>
-          <p:cNvSpPr>
-            <a:spLocks noGrp="1"/>
-          </p:cNvSpPr>
-          <p:nvPr>
-            <p:ph idx="1"/>
-          </p:nvPr>
-        </p:nvSpPr>
-        <p:spPr/>
-        <p:txBody>
-          <a:bodyPr/>
-          <a:lstStyle/>
-          <a:p>
-            <a:r>
-              <a:rPr lang="en-US" dirty="0" smtClean="0"/>
-              <a:t>You are to answer the following question in essay format and submit to me via Blackboard Assignment Chapter 1.</a:t>
-            </a:r>
-          </a:p>
-          <a:p>
-            <a:r>
-              <a:rPr lang="en-US" dirty="0" smtClean="0"/>
-              <a:t>Question </a:t>
-            </a:r>
-            <a:r>
-              <a:rPr lang="en-US" dirty="0" smtClean="0"/>
-              <a:t>1.3, </a:t>
-            </a:r>
-            <a:r>
-              <a:rPr lang="en-US" dirty="0" smtClean="0"/>
-              <a:t>p12</a:t>
-            </a:r>
-          </a:p>
-          <a:p>
-            <a:endParaRPr lang="en-US" dirty="0"/>
-          </a:p>
-          <a:p>
-            <a:r>
-              <a:rPr lang="en-US" dirty="0" smtClean="0"/>
+          <a:p>
+            <a:r>
+              <a:rPr lang="en-US" dirty="0"/>
               <a:t>Due:  4pm the date of the next class.</a:t>
             </a:r>
-            <a:endParaRPr lang="en-US" dirty="0" smtClean="0"/>
           </a:p>
           <a:p>
             <a:endParaRPr lang="en-US" dirty="0"/>
@@ -4708,63 +4843,52 @@
           <a:lstStyle/>
           <a:p>
             <a:r>
-              <a:rPr lang="en-US" dirty="0" smtClean="0"/>
+              <a:rPr lang="en-US" dirty="0"/>
               <a:t>Discussion Forum</a:t>
             </a:r>
+          </a:p>
+        </p:txBody>
+      </p:sp>
+      <p:sp>
+        <p:nvSpPr>
+          <p:cNvPr id="3" name="Content Placeholder 2"/>
+          <p:cNvSpPr>
+            <a:spLocks noGrp="1"/>
+          </p:cNvSpPr>
+          <p:nvPr>
+            <p:ph idx="1"/>
+          </p:nvPr>
+        </p:nvSpPr>
+        <p:spPr/>
+        <p:txBody>
+          <a:bodyPr/>
+          <a:lstStyle/>
+          <a:p>
+            <a:r>
+              <a:rPr lang="en-US" dirty="0"/>
+              <a:t>Team 1 will lead a discussion and prepare materials to fully talk about the following questions in our next class:</a:t>
+            </a:r>
+          </a:p>
+          <a:p>
             <a:endParaRPr lang="en-US" dirty="0"/>
           </a:p>
-        </p:txBody>
-      </p:sp>
-      <p:sp>
-        <p:nvSpPr>
-          <p:cNvPr id="3" name="Content Placeholder 2"/>
-          <p:cNvSpPr>
-            <a:spLocks noGrp="1"/>
-          </p:cNvSpPr>
-          <p:nvPr>
-            <p:ph idx="1"/>
-          </p:nvPr>
-        </p:nvSpPr>
-        <p:spPr/>
-        <p:txBody>
-          <a:bodyPr/>
-          <a:lstStyle/>
-          <a:p>
-            <a:r>
-              <a:rPr lang="en-US" dirty="0" smtClean="0"/>
-              <a:t>Team 1 wil</a:t>
-            </a:r>
-            <a:r>
-              <a:rPr lang="en-US" dirty="0" smtClean="0"/>
-              <a:t>l lead a discussion and prepare materials to fully talk about the following questions in our next class:</a:t>
-            </a:r>
-            <a:endParaRPr lang="en-US" dirty="0" smtClean="0"/>
-          </a:p>
-          <a:p>
-            <a:endParaRPr lang="en-US" dirty="0" smtClean="0"/>
-          </a:p>
-          <a:p>
-            <a:r>
-              <a:rPr lang="en-US" dirty="0" smtClean="0"/>
-              <a:t>Question </a:t>
-            </a:r>
-            <a:r>
-              <a:rPr lang="en-US" dirty="0" smtClean="0"/>
-              <a:t>1.1</a:t>
-            </a:r>
-          </a:p>
-          <a:p>
-            <a:r>
-              <a:rPr lang="en-US" dirty="0" smtClean="0"/>
+          <a:p>
+            <a:r>
+              <a:rPr lang="en-US" dirty="0"/>
+              <a:t>Question 1.1</a:t>
+            </a:r>
+          </a:p>
+          <a:p>
+            <a:r>
+              <a:rPr lang="en-US" dirty="0"/>
               <a:t>Question 1.3, and </a:t>
             </a:r>
           </a:p>
           <a:p>
             <a:r>
-              <a:rPr lang="en-US" dirty="0" smtClean="0"/>
+              <a:rPr lang="en-US" dirty="0"/>
               <a:t>Question 1.5</a:t>
             </a:r>
-            <a:endParaRPr lang="en-US" dirty="0"/>
           </a:p>
         </p:txBody>
       </p:sp>
@@ -4822,10 +4946,10 @@
           <a:p>
             <a:pPr eaLnBrk="1" hangingPunct="1"/>
             <a:r>
-              <a:rPr lang="en-US" smtClean="0"/>
+              <a:rPr lang="en-US"/>
               <a:t>Introduction</a:t>
             </a:r>
-            <a:endParaRPr lang="en-US" dirty="0" smtClean="0"/>
+            <a:endParaRPr lang="en-US" dirty="0"/>
           </a:p>
         </p:txBody>
       </p:sp>
@@ -4853,56 +4977,56 @@
           <a:p>
             <a:pPr eaLnBrk="1" hangingPunct="1"/>
             <a:r>
-              <a:rPr lang="en-US" dirty="0" smtClean="0"/>
+              <a:rPr lang="en-US" dirty="0"/>
               <a:t>Why study Quality Assurance and Testing?  </a:t>
             </a:r>
           </a:p>
           <a:p>
             <a:pPr eaLnBrk="1" hangingPunct="1"/>
-            <a:endParaRPr lang="en-US" dirty="0" smtClean="0"/>
+            <a:endParaRPr lang="en-US" dirty="0"/>
           </a:p>
           <a:p>
             <a:pPr eaLnBrk="1" hangingPunct="1"/>
             <a:r>
-              <a:rPr lang="en-US" dirty="0" smtClean="0"/>
+              <a:rPr lang="en-US" dirty="0"/>
               <a:t>With all the methodology wars, numerous processes, huge number of tools to assist in software development, why this </a:t>
             </a:r>
             <a:r>
-              <a:rPr lang="en-US" b="1" u="sng" dirty="0" smtClean="0"/>
+              <a:rPr lang="en-US" b="1" u="sng" dirty="0"/>
               <a:t>separate</a:t>
             </a:r>
             <a:r>
-              <a:rPr lang="en-US" dirty="0" smtClean="0"/>
+              <a:rPr lang="en-US" dirty="0"/>
               <a:t> </a:t>
             </a:r>
             <a:r>
-              <a:rPr lang="en-US" b="1" u="sng" dirty="0" smtClean="0"/>
+              <a:rPr lang="en-US" b="1" u="sng" dirty="0"/>
               <a:t>topic</a:t>
             </a:r>
             <a:r>
-              <a:rPr lang="en-US" dirty="0" smtClean="0"/>
+              <a:rPr lang="en-US" dirty="0"/>
               <a:t>?</a:t>
             </a:r>
           </a:p>
           <a:p>
             <a:pPr eaLnBrk="1" hangingPunct="1"/>
-            <a:endParaRPr lang="en-US" dirty="0" smtClean="0"/>
+            <a:endParaRPr lang="en-US" dirty="0"/>
           </a:p>
           <a:p>
             <a:pPr eaLnBrk="1" hangingPunct="1"/>
             <a:r>
-              <a:rPr lang="en-US" dirty="0" smtClean="0"/>
+              <a:rPr lang="en-US" dirty="0"/>
               <a:t>What makes SQA important that it deserves so much attention?  </a:t>
             </a:r>
           </a:p>
           <a:p>
             <a:pPr eaLnBrk="1" hangingPunct="1"/>
-            <a:endParaRPr lang="en-US" dirty="0" smtClean="0"/>
+            <a:endParaRPr lang="en-US" dirty="0"/>
           </a:p>
           <a:p>
             <a:pPr eaLnBrk="1" hangingPunct="1"/>
             <a:r>
-              <a:rPr lang="en-US" dirty="0" smtClean="0"/>
+              <a:rPr lang="en-US" dirty="0"/>
               <a:t>SQA is a key course in software engineering curricula.</a:t>
             </a:r>
           </a:p>
@@ -4918,13 +5042,6 @@
   <p:clrMapOvr>
     <a:masterClrMapping/>
   </p:clrMapOvr>
-  <p:timing>
-    <p:tnLst>
-      <p:par>
-        <p:cTn id="1" dur="indefinite" restart="never" nodeType="tmRoot"/>
-      </p:par>
-    </p:tnLst>
-  </p:timing>
 </p:sld>
 </file>
 
@@ -4963,10 +5080,9 @@
           <a:lstStyle/>
           <a:p>
             <a:r>
-              <a:rPr lang="en-US" dirty="0" smtClean="0"/>
+              <a:rPr lang="en-US" dirty="0"/>
               <a:t>Differences between Software Products and Industrial Products</a:t>
             </a:r>
-            <a:endParaRPr lang="en-US" dirty="0"/>
           </a:p>
         </p:txBody>
       </p:sp>
@@ -5128,10 +5244,9 @@
           <a:lstStyle/>
           <a:p>
             <a:r>
-              <a:rPr lang="en-US" dirty="0" smtClean="0"/>
+              <a:rPr lang="en-US" dirty="0"/>
               <a:t>Differences between Software Products and Industrial Products</a:t>
             </a:r>
-            <a:endParaRPr lang="en-US" dirty="0"/>
           </a:p>
         </p:txBody>
       </p:sp>
@@ -5153,61 +5268,61 @@
           <a:lstStyle/>
           <a:p>
             <a:r>
-              <a:rPr lang="en-US" b="1" dirty="0" smtClean="0"/>
+              <a:rPr lang="en-US" b="1" dirty="0"/>
               <a:t>Invisibility of the product</a:t>
             </a:r>
           </a:p>
           <a:p>
             <a:pPr lvl="1"/>
             <a:r>
-              <a:rPr lang="en-US" b="1" dirty="0" smtClean="0"/>
+              <a:rPr lang="en-US" b="1" dirty="0"/>
               <a:t>In an industrial product, missing parts are obvious.</a:t>
             </a:r>
           </a:p>
           <a:p>
             <a:pPr lvl="2"/>
             <a:r>
-              <a:rPr lang="en-US" b="1" dirty="0" smtClean="0"/>
+              <a:rPr lang="en-US" b="1" dirty="0"/>
               <a:t>Something missing?  Easily identified.</a:t>
             </a:r>
           </a:p>
           <a:p>
             <a:pPr lvl="1"/>
             <a:r>
-              <a:rPr lang="en-US" b="1" u="sng" dirty="0" smtClean="0"/>
+              <a:rPr lang="en-US" b="1" u="sng" dirty="0"/>
               <a:t>Not so </a:t>
             </a:r>
             <a:r>
-              <a:rPr lang="en-US" b="1" dirty="0" smtClean="0"/>
+              <a:rPr lang="en-US" b="1" dirty="0"/>
               <a:t>in software products.</a:t>
             </a:r>
           </a:p>
           <a:p>
             <a:pPr lvl="2"/>
             <a:r>
-              <a:rPr lang="en-US" b="1" dirty="0" smtClean="0"/>
+              <a:rPr lang="en-US" b="1" dirty="0"/>
               <a:t>May not be noticeable for years – if at all!</a:t>
             </a:r>
           </a:p>
           <a:p>
             <a:pPr lvl="2"/>
             <a:r>
-              <a:rPr lang="en-US" b="1" dirty="0" smtClean="0"/>
+              <a:rPr lang="en-US" b="1" dirty="0"/>
               <a:t>Cite:  phantom paths product at AFDSDC!</a:t>
             </a:r>
           </a:p>
           <a:p>
             <a:pPr lvl="2"/>
             <a:r>
-              <a:rPr lang="en-US" b="1" dirty="0" smtClean="0"/>
+              <a:rPr lang="en-US" b="1" dirty="0"/>
               <a:t>Parts may have </a:t>
             </a:r>
             <a:r>
-              <a:rPr lang="en-US" b="1" u="sng" dirty="0" smtClean="0"/>
+              <a:rPr lang="en-US" b="1" u="sng" dirty="0"/>
               <a:t>never</a:t>
             </a:r>
             <a:r>
-              <a:rPr lang="en-US" b="1" dirty="0" smtClean="0"/>
+              <a:rPr lang="en-US" b="1" dirty="0"/>
               <a:t> been in the software ever!</a:t>
             </a:r>
           </a:p>
@@ -5264,10 +5379,9 @@
           <a:lstStyle/>
           <a:p>
             <a:r>
-              <a:rPr lang="en-US" dirty="0" smtClean="0"/>
+              <a:rPr lang="en-US" dirty="0"/>
               <a:t>Differences between Software Products and Industrial Products</a:t>
             </a:r>
-            <a:endParaRPr lang="en-US" dirty="0"/>
           </a:p>
         </p:txBody>
       </p:sp>
@@ -5294,7 +5408,7 @@
           <a:lstStyle/>
           <a:p>
             <a:r>
-              <a:rPr lang="en-US" dirty="0" smtClean="0"/>
+              <a:rPr lang="en-US" dirty="0"/>
               <a:t>Product Development and Production Process </a:t>
             </a:r>
           </a:p>
@@ -5303,15 +5417,15 @@
               <a:defRPr/>
             </a:pPr>
             <a:r>
-              <a:rPr lang="en-US" dirty="0" smtClean="0"/>
+              <a:rPr lang="en-US" dirty="0"/>
               <a:t>Product Development for </a:t>
             </a:r>
             <a:r>
-              <a:rPr lang="en-US" b="1" dirty="0" smtClean="0"/>
+              <a:rPr lang="en-US" b="1" dirty="0"/>
               <a:t>Industrial Products</a:t>
             </a:r>
             <a:r>
-              <a:rPr lang="en-US" dirty="0" smtClean="0"/>
+              <a:rPr lang="en-US" dirty="0"/>
               <a:t>:</a:t>
             </a:r>
           </a:p>
@@ -5320,7 +5434,7 @@
               <a:defRPr/>
             </a:pPr>
             <a:r>
-              <a:rPr lang="en-US" dirty="0" smtClean="0"/>
+              <a:rPr lang="en-US" dirty="0"/>
               <a:t>Product Development – </a:t>
             </a:r>
           </a:p>
@@ -5329,7 +5443,7 @@
               <a:defRPr/>
             </a:pPr>
             <a:r>
-              <a:rPr lang="en-US" dirty="0" smtClean="0"/>
+              <a:rPr lang="en-US" dirty="0"/>
               <a:t>Designers and QA people check / test the prototype for defects</a:t>
             </a:r>
           </a:p>
@@ -5338,7 +5452,7 @@
               <a:defRPr/>
             </a:pPr>
             <a:r>
-              <a:rPr lang="en-US" dirty="0" smtClean="0"/>
+              <a:rPr lang="en-US" dirty="0"/>
               <a:t>Product Production Planning – </a:t>
             </a:r>
           </a:p>
@@ -5347,7 +5461,7 @@
               <a:defRPr/>
             </a:pPr>
             <a:r>
-              <a:rPr lang="en-US" dirty="0" smtClean="0"/>
+              <a:rPr lang="en-US" dirty="0"/>
               <a:t>Here, production process and tools are designed and prepared.</a:t>
             </a:r>
           </a:p>
@@ -5356,7 +5470,7 @@
               <a:defRPr/>
             </a:pPr>
             <a:r>
-              <a:rPr lang="en-US" dirty="0" smtClean="0"/>
+              <a:rPr lang="en-US" dirty="0"/>
               <a:t>May require special production line to be designed and built</a:t>
             </a:r>
           </a:p>
@@ -5365,7 +5479,7 @@
               <a:defRPr/>
             </a:pPr>
             <a:r>
-              <a:rPr lang="en-US" dirty="0" smtClean="0"/>
+              <a:rPr lang="en-US" dirty="0"/>
               <a:t>Lots of opportunities to check for defects that escaped reviews and tests conducted during development</a:t>
             </a:r>
           </a:p>
@@ -5374,7 +5488,7 @@
               <a:defRPr/>
             </a:pPr>
             <a:r>
-              <a:rPr lang="en-US" dirty="0" smtClean="0"/>
+              <a:rPr lang="en-US" dirty="0"/>
               <a:t>Manufacturing – </a:t>
             </a:r>
           </a:p>
@@ -5383,15 +5497,15 @@
               <a:defRPr/>
             </a:pPr>
             <a:r>
-              <a:rPr lang="en-US" dirty="0" smtClean="0"/>
+              <a:rPr lang="en-US" dirty="0"/>
               <a:t>QA procedures are applied to detect failures of the products </a:t>
             </a:r>
             <a:r>
-              <a:rPr lang="en-US" dirty="0" err="1" smtClean="0"/>
+              <a:rPr lang="en-US" dirty="0" err="1"/>
               <a:t>themsleves</a:t>
             </a:r>
             <a:r>
-              <a:rPr lang="en-US" dirty="0" smtClean="0"/>
+              <a:rPr lang="en-US" dirty="0"/>
               <a:t> during manufacturing.</a:t>
             </a:r>
           </a:p>
@@ -5400,10 +5514,9 @@
               <a:defRPr/>
             </a:pPr>
             <a:r>
-              <a:rPr lang="en-US" dirty="0" smtClean="0"/>
+              <a:rPr lang="en-US" dirty="0"/>
               <a:t>Can be corrected by change in the design or in production tools and this will change the way products are manufactured in the future.</a:t>
             </a:r>
-            <a:endParaRPr lang="en-US" dirty="0"/>
           </a:p>
         </p:txBody>
       </p:sp>
@@ -5455,65 +5568,63 @@
           <a:lstStyle/>
           <a:p>
             <a:r>
-              <a:rPr lang="en-US" dirty="0" smtClean="0"/>
+              <a:rPr lang="en-US" dirty="0"/>
               <a:t>Differences between Software Products and Industrial Products</a:t>
             </a:r>
+          </a:p>
+        </p:txBody>
+      </p:sp>
+      <p:sp>
+        <p:nvSpPr>
+          <p:cNvPr id="3" name="Content Placeholder 2"/>
+          <p:cNvSpPr>
+            <a:spLocks noGrp="1"/>
+          </p:cNvSpPr>
+          <p:nvPr>
+            <p:ph idx="1"/>
+          </p:nvPr>
+        </p:nvSpPr>
+        <p:spPr/>
+        <p:txBody>
+          <a:bodyPr/>
+          <a:lstStyle/>
+          <a:p>
+            <a:r>
+              <a:rPr lang="en-US" dirty="0"/>
+              <a:t>Will see:</a:t>
+            </a:r>
+          </a:p>
+          <a:p>
+            <a:pPr lvl="1"/>
+            <a:r>
+              <a:rPr lang="en-US" dirty="0"/>
+              <a:t>Comparing industrial products with software products we see that the </a:t>
+            </a:r>
+            <a:r>
+              <a:rPr lang="en-US" b="1" dirty="0"/>
+              <a:t>only</a:t>
+            </a:r>
+            <a:r>
+              <a:rPr lang="en-US" dirty="0"/>
+              <a:t> </a:t>
+            </a:r>
+            <a:r>
+              <a:rPr lang="en-US" b="1" dirty="0"/>
+              <a:t>phase</a:t>
+            </a:r>
+            <a:r>
+              <a:rPr lang="en-US" dirty="0"/>
+              <a:t> when defects can be corrected is really in the development phase.  </a:t>
+            </a:r>
+          </a:p>
+          <a:p>
             <a:endParaRPr lang="en-US" dirty="0"/>
           </a:p>
-        </p:txBody>
-      </p:sp>
-      <p:sp>
-        <p:nvSpPr>
-          <p:cNvPr id="3" name="Content Placeholder 2"/>
-          <p:cNvSpPr>
-            <a:spLocks noGrp="1"/>
-          </p:cNvSpPr>
-          <p:nvPr>
-            <p:ph idx="1"/>
-          </p:nvPr>
-        </p:nvSpPr>
-        <p:spPr/>
-        <p:txBody>
-          <a:bodyPr/>
-          <a:lstStyle/>
-          <a:p>
-            <a:r>
-              <a:rPr lang="en-US" dirty="0" smtClean="0"/>
-              <a:t>Will see:</a:t>
-            </a:r>
-          </a:p>
-          <a:p>
-            <a:pPr lvl="1"/>
-            <a:r>
-              <a:rPr lang="en-US" dirty="0" smtClean="0"/>
-              <a:t>Comparing industrial products with software products we see that the </a:t>
-            </a:r>
-            <a:r>
-              <a:rPr lang="en-US" b="1" dirty="0" smtClean="0"/>
-              <a:t>only</a:t>
-            </a:r>
-            <a:r>
-              <a:rPr lang="en-US" dirty="0" smtClean="0"/>
-              <a:t> </a:t>
-            </a:r>
-            <a:r>
-              <a:rPr lang="en-US" b="1" dirty="0" smtClean="0"/>
-              <a:t>phase</a:t>
-            </a:r>
-            <a:r>
-              <a:rPr lang="en-US" dirty="0" smtClean="0"/>
-              <a:t> when defects can be corrected is really in the development phase.  </a:t>
-            </a:r>
-          </a:p>
-          <a:p>
-            <a:endParaRPr lang="en-US" dirty="0" smtClean="0"/>
-          </a:p>
-          <a:p>
-            <a:r>
-              <a:rPr lang="en-US" dirty="0" smtClean="0"/>
+          <a:p>
+            <a:r>
+              <a:rPr lang="en-US" dirty="0"/>
               <a:t>Let’s look at the same three activities for Software Products:</a:t>
             </a:r>
-            <a:endParaRPr lang="en-US" dirty="0"/>
           </a:p>
         </p:txBody>
       </p:sp>
@@ -5565,89 +5676,87 @@
           <a:lstStyle/>
           <a:p>
             <a:r>
-              <a:rPr lang="en-US" dirty="0" smtClean="0"/>
+              <a:rPr lang="en-US" dirty="0"/>
               <a:t>Differences between Software Products and Industrial Products</a:t>
             </a:r>
+          </a:p>
+        </p:txBody>
+      </p:sp>
+      <p:sp>
+        <p:nvSpPr>
+          <p:cNvPr id="3" name="Content Placeholder 2"/>
+          <p:cNvSpPr>
+            <a:spLocks noGrp="1"/>
+          </p:cNvSpPr>
+          <p:nvPr>
+            <p:ph idx="1"/>
+          </p:nvPr>
+        </p:nvSpPr>
+        <p:spPr/>
+        <p:txBody>
+          <a:bodyPr/>
+          <a:lstStyle/>
+          <a:p>
+            <a:r>
+              <a:rPr lang="en-US" dirty="0"/>
+              <a:t>Will see:</a:t>
+            </a:r>
+          </a:p>
+          <a:p>
+            <a:pPr lvl="1"/>
+            <a:r>
+              <a:rPr lang="en-US" dirty="0"/>
+              <a:t>Comparing industrial products with software products we see that the </a:t>
+            </a:r>
+            <a:r>
+              <a:rPr lang="en-US" b="1" dirty="0"/>
+              <a:t>only</a:t>
+            </a:r>
+            <a:r>
+              <a:rPr lang="en-US" dirty="0"/>
+              <a:t> </a:t>
+            </a:r>
+            <a:r>
+              <a:rPr lang="en-US" b="1" dirty="0"/>
+              <a:t>phase</a:t>
+            </a:r>
+            <a:r>
+              <a:rPr lang="en-US" dirty="0"/>
+              <a:t> when defects can be corrected is really in the </a:t>
+            </a:r>
+            <a:r>
+              <a:rPr lang="en-US" b="1" dirty="0"/>
+              <a:t>product</a:t>
+            </a:r>
+            <a:r>
+              <a:rPr lang="en-US" dirty="0"/>
+              <a:t> </a:t>
+            </a:r>
+            <a:r>
+              <a:rPr lang="en-US" b="1" dirty="0"/>
+              <a:t>development</a:t>
+            </a:r>
+            <a:r>
+              <a:rPr lang="en-US" dirty="0"/>
+              <a:t> </a:t>
+            </a:r>
+            <a:r>
+              <a:rPr lang="en-US" b="1" dirty="0"/>
+              <a:t>phase</a:t>
+            </a:r>
+            <a:r>
+              <a:rPr lang="en-US" dirty="0"/>
+              <a:t>.  </a:t>
+            </a:r>
+          </a:p>
+          <a:p>
             <a:endParaRPr lang="en-US" dirty="0"/>
           </a:p>
-        </p:txBody>
-      </p:sp>
-      <p:sp>
-        <p:nvSpPr>
-          <p:cNvPr id="3" name="Content Placeholder 2"/>
-          <p:cNvSpPr>
-            <a:spLocks noGrp="1"/>
-          </p:cNvSpPr>
-          <p:nvPr>
-            <p:ph idx="1"/>
-          </p:nvPr>
-        </p:nvSpPr>
-        <p:spPr/>
-        <p:txBody>
-          <a:bodyPr/>
-          <a:lstStyle/>
-          <a:p>
-            <a:r>
-              <a:rPr lang="en-US" dirty="0" smtClean="0"/>
-              <a:t>Will see:</a:t>
-            </a:r>
-          </a:p>
-          <a:p>
-            <a:pPr lvl="1"/>
-            <a:r>
-              <a:rPr lang="en-US" dirty="0" smtClean="0"/>
-              <a:t>Comparing industrial products with software products we see that the </a:t>
-            </a:r>
-            <a:r>
-              <a:rPr lang="en-US" b="1" dirty="0" smtClean="0"/>
-              <a:t>only</a:t>
-            </a:r>
-            <a:r>
-              <a:rPr lang="en-US" dirty="0" smtClean="0"/>
-              <a:t> </a:t>
-            </a:r>
-            <a:r>
-              <a:rPr lang="en-US" b="1" dirty="0" smtClean="0"/>
-              <a:t>phase</a:t>
-            </a:r>
-            <a:r>
-              <a:rPr lang="en-US" dirty="0" smtClean="0"/>
-              <a:t> when defects can be corrected is really in the </a:t>
-            </a:r>
-            <a:r>
-              <a:rPr lang="en-US" b="1" dirty="0" smtClean="0"/>
-              <a:t>product</a:t>
-            </a:r>
-            <a:r>
-              <a:rPr lang="en-US" dirty="0" smtClean="0"/>
-              <a:t> </a:t>
-            </a:r>
-            <a:r>
-              <a:rPr lang="en-US" b="1" dirty="0" smtClean="0"/>
-              <a:t>development</a:t>
-            </a:r>
-            <a:r>
-              <a:rPr lang="en-US" dirty="0" smtClean="0"/>
-              <a:t> </a:t>
-            </a:r>
-            <a:r>
-              <a:rPr lang="en-US" b="1" dirty="0" smtClean="0"/>
-              <a:t>phase</a:t>
-            </a:r>
-            <a:r>
-              <a:rPr lang="en-US" dirty="0" smtClean="0"/>
-              <a:t>.  </a:t>
-            </a:r>
-          </a:p>
-          <a:p>
-            <a:endParaRPr lang="en-US" dirty="0" smtClean="0"/>
-          </a:p>
-          <a:p>
-            <a:r>
-              <a:rPr lang="en-US" dirty="0" smtClean="0"/>
+          <a:p>
+            <a:r>
+              <a:rPr lang="en-US" dirty="0"/>
               <a:t>Let’s look at the same three activities for Software Products:</a:t>
             </a:r>
-            <a:endParaRPr lang="en-US" dirty="0"/>
           </a:p>
         </p:txBody>
       </p:sp>
@@ -5699,10 +5808,9 @@
           <a:lstStyle/>
           <a:p>
             <a:r>
-              <a:rPr lang="en-US" dirty="0" smtClean="0"/>
+              <a:rPr lang="en-US" dirty="0"/>
               <a:t>Differences between Software Products and Industrial Products</a:t>
             </a:r>
-            <a:endParaRPr lang="en-US" dirty="0"/>
           </a:p>
         </p:txBody>
       </p:sp>
@@ -5724,7 +5832,7 @@
           <a:lstStyle/>
           <a:p>
             <a:r>
-              <a:rPr lang="en-US" dirty="0" smtClean="0"/>
+              <a:rPr lang="en-US" dirty="0"/>
               <a:t>Product Development and Production Process </a:t>
             </a:r>
           </a:p>
@@ -5737,15 +5845,11 @@
               <a:t>Product Development for </a:t>
             </a:r>
             <a:r>
-              <a:rPr lang="en-US" b="1" dirty="0" smtClean="0"/>
-              <a:t>Software </a:t>
-            </a:r>
-            <a:r>
               <a:rPr lang="en-US" b="1" dirty="0"/>
-              <a:t>Products</a:t>
-            </a:r>
-            <a:r>
-              <a:rPr lang="en-US" dirty="0" smtClean="0"/>
+              <a:t>Software Products</a:t>
+            </a:r>
+            <a:r>
+              <a:rPr lang="en-US" dirty="0"/>
               <a:t>:</a:t>
             </a:r>
           </a:p>
@@ -5754,15 +5858,15 @@
               <a:defRPr/>
             </a:pPr>
             <a:r>
-              <a:rPr lang="en-US" b="1" dirty="0" smtClean="0"/>
+              <a:rPr lang="en-US" b="1" dirty="0"/>
               <a:t>Product Development </a:t>
             </a:r>
             <a:r>
-              <a:rPr lang="en-US" dirty="0" smtClean="0"/>
+              <a:rPr lang="en-US" dirty="0"/>
               <a:t>– </a:t>
             </a:r>
             <a:r>
-              <a:rPr lang="en-US" u="sng" dirty="0" smtClean="0"/>
+              <a:rPr lang="en-US" u="sng" dirty="0"/>
               <a:t>Best Chance to Detect Errors!</a:t>
             </a:r>
           </a:p>
@@ -5771,7 +5875,7 @@
               <a:defRPr/>
             </a:pPr>
             <a:r>
-              <a:rPr lang="en-US" dirty="0" smtClean="0"/>
+              <a:rPr lang="en-US" dirty="0"/>
               <a:t>Here, we look for inherent product defects and hope to arrive at an acceptable prototype.</a:t>
             </a:r>
           </a:p>
@@ -5780,7 +5884,7 @@
               <a:defRPr/>
             </a:pPr>
             <a:r>
-              <a:rPr lang="en-US" dirty="0" smtClean="0"/>
+              <a:rPr lang="en-US" dirty="0"/>
               <a:t>Product Production Planning</a:t>
             </a:r>
           </a:p>
@@ -5789,15 +5893,15 @@
               <a:defRPr/>
             </a:pPr>
             <a:r>
-              <a:rPr lang="en-US" dirty="0" smtClean="0"/>
+              <a:rPr lang="en-US" dirty="0"/>
               <a:t>This phase is </a:t>
             </a:r>
             <a:r>
-              <a:rPr lang="en-US" b="1" dirty="0" smtClean="0"/>
+              <a:rPr lang="en-US" b="1" dirty="0"/>
               <a:t>not required</a:t>
             </a:r>
             <a:r>
-              <a:rPr lang="en-US" dirty="0" smtClean="0"/>
+              <a:rPr lang="en-US" dirty="0"/>
               <a:t> for software production process.  Copies are simply reproduced / printed automatically….</a:t>
             </a:r>
           </a:p>
@@ -5806,7 +5910,7 @@
               <a:defRPr/>
             </a:pPr>
             <a:r>
-              <a:rPr lang="en-US" dirty="0" smtClean="0"/>
+              <a:rPr lang="en-US" dirty="0"/>
               <a:t>Numbers of copies of no consequence.</a:t>
             </a:r>
           </a:p>
@@ -5815,7 +5919,7 @@
               <a:defRPr/>
             </a:pPr>
             <a:r>
-              <a:rPr lang="en-US" dirty="0" smtClean="0"/>
+              <a:rPr lang="en-US" dirty="0"/>
               <a:t>Manufacturing</a:t>
             </a:r>
           </a:p>
@@ -5824,7 +5928,7 @@
               <a:defRPr/>
             </a:pPr>
             <a:r>
-              <a:rPr lang="en-US" dirty="0" smtClean="0"/>
+              <a:rPr lang="en-US" dirty="0"/>
               <a:t>Manufacturing limited to copying product / printing copies of manuals.</a:t>
             </a:r>
           </a:p>
@@ -5833,10 +5937,9 @@
               <a:defRPr/>
             </a:pPr>
             <a:r>
-              <a:rPr lang="en-US" dirty="0" smtClean="0"/>
+              <a:rPr lang="en-US" dirty="0"/>
               <a:t>Chances for detect defects here is quite limited.  </a:t>
             </a:r>
-            <a:endParaRPr lang="en-US" dirty="0"/>
           </a:p>
           <a:p>
             <a:endParaRPr lang="en-US" dirty="0"/>
@@ -6139,4 +6242,299 @@
   <a:objectDefaults/>
   <a:extraClrSchemeLst/>
 </a:theme>
+</file>
+
+<file path=ppt/theme/theme2.xml><?xml version="1.0" encoding="utf-8"?>
+<a:theme xmlns:a="http://schemas.openxmlformats.org/drawingml/2006/main" name="Office Theme">
+  <a:themeElements>
+    <a:clrScheme name="Office">
+      <a:dk1>
+        <a:sysClr val="windowText" lastClr="000000"/>
+      </a:dk1>
+      <a:lt1>
+        <a:sysClr val="window" lastClr="FFFFFF"/>
+      </a:lt1>
+      <a:dk2>
+        <a:srgbClr val="44546A"/>
+      </a:dk2>
+      <a:lt2>
+        <a:srgbClr val="E7E6E6"/>
+      </a:lt2>
+      <a:accent1>
+        <a:srgbClr val="4472C4"/>
+      </a:accent1>
+      <a:accent2>
+        <a:srgbClr val="ED7D31"/>
+      </a:accent2>
+      <a:accent3>
+        <a:srgbClr val="A5A5A5"/>
+      </a:accent3>
+      <a:accent4>
+        <a:srgbClr val="FFC000"/>
+      </a:accent4>
+      <a:accent5>
+        <a:srgbClr val="5B9BD5"/>
+      </a:accent5>
+      <a:accent6>
+        <a:srgbClr val="70AD47"/>
+      </a:accent6>
+      <a:hlink>
+        <a:srgbClr val="0563C1"/>
+      </a:hlink>
+      <a:folHlink>
+        <a:srgbClr val="954F72"/>
+      </a:folHlink>
+    </a:clrScheme>
+    <a:fontScheme name="Office">
+      <a:majorFont>
+        <a:latin typeface="Calibri Light" panose="020F0302020204030204"/>
+        <a:ea typeface=""/>
+        <a:cs typeface=""/>
+        <a:font script="Jpan" typeface="游ゴシック Light"/>
+        <a:font script="Hang" typeface="맑은 고딕"/>
+        <a:font script="Hans" typeface="等线 Light"/>
+        <a:font script="Hant" typeface="新細明體"/>
+        <a:font script="Arab" typeface="Times New Roman"/>
+        <a:font script="Hebr" typeface="Times New Roman"/>
+        <a:font script="Thai" typeface="Angsana New"/>
+        <a:font script="Ethi" typeface="Nyala"/>
+        <a:font script="Beng" typeface="Vrinda"/>
+        <a:font script="Gujr" typeface="Shruti"/>
+        <a:font script="Khmr" typeface="MoolBoran"/>
+        <a:font script="Knda" typeface="Tunga"/>
+        <a:font script="Guru" typeface="Raavi"/>
+        <a:font script="Cans" typeface="Euphemia"/>
+        <a:font script="Cher" typeface="Plantagenet Cherokee"/>
+        <a:font script="Yiii" typeface="Microsoft Yi Baiti"/>
+        <a:font script="Tibt" typeface="Microsoft Himalaya"/>
+        <a:font script="Thaa" typeface="MV Boli"/>
+        <a:font script="Deva" typeface="Mangal"/>
+        <a:font script="Telu" typeface="Gautami"/>
+        <a:font script="Taml" typeface="Latha"/>
+        <a:font script="Syrc" typeface="Estrangelo Edessa"/>
+        <a:font script="Orya" typeface="Kalinga"/>
+        <a:font script="Mlym" typeface="Kartika"/>
+        <a:font script="Laoo" typeface="DokChampa"/>
+        <a:font script="Sinh" typeface="Iskoola Pota"/>
+        <a:font script="Mong" typeface="Mongolian Baiti"/>
+        <a:font script="Viet" typeface="Times New Roman"/>
+        <a:font script="Uigh" typeface="Microsoft Uighur"/>
+        <a:font script="Geor" typeface="Sylfaen"/>
+        <a:font script="Armn" typeface="Arial"/>
+        <a:font script="Bugi" typeface="Leelawadee UI"/>
+        <a:font script="Bopo" typeface="Microsoft JhengHei"/>
+        <a:font script="Java" typeface="Javanese Text"/>
+        <a:font script="Lisu" typeface="Segoe UI"/>
+        <a:font script="Mymr" typeface="Myanmar Text"/>
+        <a:font script="Nkoo" typeface="Ebrima"/>
+        <a:font script="Olck" typeface="Nirmala UI"/>
+        <a:font script="Osma" typeface="Ebrima"/>
+        <a:font script="Phag" typeface="Phagspa"/>
+        <a:font script="Syrn" typeface="Estrangelo Edessa"/>
+        <a:font script="Syrj" typeface="Estrangelo Edessa"/>
+        <a:font script="Syre" typeface="Estrangelo Edessa"/>
+        <a:font script="Sora" typeface="Nirmala UI"/>
+        <a:font script="Tale" typeface="Microsoft Tai Le"/>
+        <a:font script="Talu" typeface="Microsoft New Tai Lue"/>
+        <a:font script="Tfng" typeface="Ebrima"/>
+      </a:majorFont>
+      <a:minorFont>
+        <a:latin typeface="Calibri" panose="020F0502020204030204"/>
+        <a:ea typeface=""/>
+        <a:cs typeface=""/>
+        <a:font script="Jpan" typeface="游ゴシック"/>
+        <a:font script="Hang" typeface="맑은 고딕"/>
+        <a:font script="Hans" typeface="等线"/>
+        <a:font script="Hant" typeface="新細明體"/>
+        <a:font script="Arab" typeface="Arial"/>
+        <a:font script="Hebr" typeface="Arial"/>
+        <a:font script="Thai" typeface="Cordia New"/>
+        <a:font script="Ethi" typeface="Nyala"/>
+        <a:font script="Beng" typeface="Vrinda"/>
+        <a:font script="Gujr" typeface="Shruti"/>
+        <a:font script="Khmr" typeface="DaunPenh"/>
+        <a:font script="Knda" typeface="Tunga"/>
+        <a:font script="Guru" typeface="Raavi"/>
+        <a:font script="Cans" typeface="Euphemia"/>
+        <a:font script="Cher" typeface="Plantagenet Cherokee"/>
+        <a:font script="Yiii" typeface="Microsoft Yi Baiti"/>
+        <a:font script="Tibt" typeface="Microsoft Himalaya"/>
+        <a:font script="Thaa" typeface="MV Boli"/>
+        <a:font script="Deva" typeface="Mangal"/>
+        <a:font script="Telu" typeface="Gautami"/>
+        <a:font script="Taml" typeface="Latha"/>
+        <a:font script="Syrc" typeface="Estrangelo Edessa"/>
+        <a:font script="Orya" typeface="Kalinga"/>
+        <a:font script="Mlym" typeface="Kartika"/>
+        <a:font script="Laoo" typeface="DokChampa"/>
+        <a:font script="Sinh" typeface="Iskoola Pota"/>
+        <a:font script="Mong" typeface="Mongolian Baiti"/>
+        <a:font script="Viet" typeface="Arial"/>
+        <a:font script="Uigh" typeface="Microsoft Uighur"/>
+        <a:font script="Geor" typeface="Sylfaen"/>
+        <a:font script="Armn" typeface="Arial"/>
+        <a:font script="Bugi" typeface="Leelawadee UI"/>
+        <a:font script="Bopo" typeface="Microsoft JhengHei"/>
+        <a:font script="Java" typeface="Javanese Text"/>
+        <a:font script="Lisu" typeface="Segoe UI"/>
+        <a:font script="Mymr" typeface="Myanmar Text"/>
+        <a:font script="Nkoo" typeface="Ebrima"/>
+        <a:font script="Olck" typeface="Nirmala UI"/>
+        <a:font script="Osma" typeface="Ebrima"/>
+        <a:font script="Phag" typeface="Phagspa"/>
+        <a:font script="Syrn" typeface="Estrangelo Edessa"/>
+        <a:font script="Syrj" typeface="Estrangelo Edessa"/>
+        <a:font script="Syre" typeface="Estrangelo Edessa"/>
+        <a:font script="Sora" typeface="Nirmala UI"/>
+        <a:font script="Tale" typeface="Microsoft Tai Le"/>
+        <a:font script="Talu" typeface="Microsoft New Tai Lue"/>
+        <a:font script="Tfng" typeface="Ebrima"/>
+      </a:minorFont>
+    </a:fontScheme>
+    <a:fmtScheme name="Office">
+      <a:fillStyleLst>
+        <a:solidFill>
+          <a:schemeClr val="phClr"/>
+        </a:solidFill>
+        <a:gradFill rotWithShape="1">
+          <a:gsLst>
+            <a:gs pos="0">
+              <a:schemeClr val="phClr">
+                <a:lumMod val="110000"/>
+                <a:satMod val="105000"/>
+                <a:tint val="67000"/>
+              </a:schemeClr>
+            </a:gs>
+            <a:gs pos="50000">
+              <a:schemeClr val="phClr">
+                <a:lumMod val="105000"/>
+                <a:satMod val="103000"/>
+                <a:tint val="73000"/>
+              </a:schemeClr>
+            </a:gs>
+            <a:gs pos="100000">
+              <a:schemeClr val="phClr">
+                <a:lumMod val="105000"/>
+                <a:satMod val="109000"/>
+                <a:tint val="81000"/>
+              </a:schemeClr>
+            </a:gs>
+          </a:gsLst>
+          <a:lin ang="5400000" scaled="0"/>
+        </a:gradFill>
+        <a:gradFill rotWithShape="1">
+          <a:gsLst>
+            <a:gs pos="0">
+              <a:schemeClr val="phClr">
+                <a:satMod val="103000"/>
+                <a:lumMod val="102000"/>
+                <a:tint val="94000"/>
+              </a:schemeClr>
+            </a:gs>
+            <a:gs pos="50000">
+              <a:schemeClr val="phClr">
+                <a:satMod val="110000"/>
+                <a:lumMod val="100000"/>
+                <a:shade val="100000"/>
+              </a:schemeClr>
+            </a:gs>
+            <a:gs pos="100000">
+              <a:schemeClr val="phClr">
+                <a:lumMod val="99000"/>
+                <a:satMod val="120000"/>
+                <a:shade val="78000"/>
+              </a:schemeClr>
+            </a:gs>
+          </a:gsLst>
+          <a:lin ang="5400000" scaled="0"/>
+        </a:gradFill>
+      </a:fillStyleLst>
+      <a:lnStyleLst>
+        <a:ln w="6350" cap="flat" cmpd="sng" algn="ctr">
+          <a:solidFill>
+            <a:schemeClr val="phClr"/>
+          </a:solidFill>
+          <a:prstDash val="solid"/>
+          <a:miter lim="800000"/>
+        </a:ln>
+        <a:ln w="12700" cap="flat" cmpd="sng" algn="ctr">
+          <a:solidFill>
+            <a:schemeClr val="phClr"/>
+          </a:solidFill>
+          <a:prstDash val="solid"/>
+          <a:miter lim="800000"/>
+        </a:ln>
+        <a:ln w="19050" cap="flat" cmpd="sng" algn="ctr">
+          <a:solidFill>
+            <a:schemeClr val="phClr"/>
+          </a:solidFill>
+          <a:prstDash val="solid"/>
+          <a:miter lim="800000"/>
+        </a:ln>
+      </a:lnStyleLst>
+      <a:effectStyleLst>
+        <a:effectStyle>
+          <a:effectLst/>
+        </a:effectStyle>
+        <a:effectStyle>
+          <a:effectLst/>
+        </a:effectStyle>
+        <a:effectStyle>
+          <a:effectLst>
+            <a:outerShdw blurRad="57150" dist="19050" dir="5400000" algn="ctr" rotWithShape="0">
+              <a:srgbClr val="000000">
+                <a:alpha val="63000"/>
+              </a:srgbClr>
+            </a:outerShdw>
+          </a:effectLst>
+        </a:effectStyle>
+      </a:effectStyleLst>
+      <a:bgFillStyleLst>
+        <a:solidFill>
+          <a:schemeClr val="phClr"/>
+        </a:solidFill>
+        <a:solidFill>
+          <a:schemeClr val="phClr">
+            <a:tint val="95000"/>
+            <a:satMod val="170000"/>
+          </a:schemeClr>
+        </a:solidFill>
+        <a:gradFill rotWithShape="1">
+          <a:gsLst>
+            <a:gs pos="0">
+              <a:schemeClr val="phClr">
+                <a:tint val="93000"/>
+                <a:satMod val="150000"/>
+                <a:shade val="98000"/>
+                <a:lumMod val="102000"/>
+              </a:schemeClr>
+            </a:gs>
+            <a:gs pos="50000">
+              <a:schemeClr val="phClr">
+                <a:tint val="98000"/>
+                <a:satMod val="130000"/>
+                <a:shade val="90000"/>
+                <a:lumMod val="103000"/>
+              </a:schemeClr>
+            </a:gs>
+            <a:gs pos="100000">
+              <a:schemeClr val="phClr">
+                <a:shade val="63000"/>
+                <a:satMod val="120000"/>
+              </a:schemeClr>
+            </a:gs>
+          </a:gsLst>
+          <a:lin ang="5400000" scaled="0"/>
+        </a:gradFill>
+      </a:bgFillStyleLst>
+    </a:fmtScheme>
+  </a:themeElements>
+  <a:objectDefaults/>
+  <a:extraClrSchemeLst/>
+  <a:extLst>
+    <a:ext uri="{05A4C25C-085E-4340-85A3-A5531E510DB2}">
+      <thm15:themeFamily xmlns:thm15="http://schemas.microsoft.com/office/thememl/2012/main" name="Office Theme" id="{62F939B6-93AF-4DB8-9C6B-D6C7DFDC589F}" vid="{4A3C46E8-61CC-4603-A589-7422A47A8E4A}"/>
+    </a:ext>
+  </a:extLst>
+</a:theme>
 </file>